--- a/docs/presentation/CQRS-EventSourcing-Architecture-Overview.pptx
+++ b/docs/presentation/CQRS-EventSourcing-Architecture-Overview.pptx
@@ -10,15 +10,15 @@
   <p:sldIdLst>
     <p:sldId id="256" r:id="rId2"/>
     <p:sldId id="257" r:id="rId3"/>
-    <p:sldId id="261" r:id="rId4"/>
-    <p:sldId id="285" r:id="rId5"/>
-    <p:sldId id="286" r:id="rId6"/>
-    <p:sldId id="295" r:id="rId7"/>
-    <p:sldId id="288" r:id="rId8"/>
-    <p:sldId id="290" r:id="rId9"/>
-    <p:sldId id="291" r:id="rId10"/>
-    <p:sldId id="292" r:id="rId11"/>
-    <p:sldId id="293" r:id="rId12"/>
+    <p:sldId id="298" r:id="rId4"/>
+    <p:sldId id="261" r:id="rId5"/>
+    <p:sldId id="296" r:id="rId6"/>
+    <p:sldId id="299" r:id="rId7"/>
+    <p:sldId id="285" r:id="rId8"/>
+    <p:sldId id="297" r:id="rId9"/>
+    <p:sldId id="288" r:id="rId10"/>
+    <p:sldId id="291" r:id="rId11"/>
+    <p:sldId id="292" r:id="rId12"/>
     <p:sldId id="281" r:id="rId13"/>
   </p:sldIdLst>
   <p:sldSz cx="9144000" cy="5143500" type="screen16x9"/>
@@ -939,7 +939,7 @@
     </p:spTree>
     <p:extLst>
       <p:ext uri="{BB962C8B-B14F-4D97-AF65-F5344CB8AC3E}">
-        <p14:creationId xmlns:p14="http://schemas.microsoft.com/office/powerpoint/2010/main" val="4060897424"/>
+        <p14:creationId xmlns:p14="http://schemas.microsoft.com/office/powerpoint/2010/main" val="1845451585"/>
       </p:ext>
     </p:extLst>
   </p:cSld>
@@ -1048,7 +1048,7 @@
     </p:spTree>
     <p:extLst>
       <p:ext uri="{BB962C8B-B14F-4D97-AF65-F5344CB8AC3E}">
-        <p14:creationId xmlns:p14="http://schemas.microsoft.com/office/powerpoint/2010/main" val="2888692955"/>
+        <p14:creationId xmlns:p14="http://schemas.microsoft.com/office/powerpoint/2010/main" val="4060897424"/>
       </p:ext>
     </p:extLst>
   </p:cSld>
@@ -1363,6 +1363,11 @@
         </p:txBody>
       </p:sp>
     </p:spTree>
+    <p:extLst>
+      <p:ext uri="{BB962C8B-B14F-4D97-AF65-F5344CB8AC3E}">
+        <p14:creationId xmlns:p14="http://schemas.microsoft.com/office/powerpoint/2010/main" val="989423972"/>
+      </p:ext>
+    </p:extLst>
   </p:cSld>
   <p:clrMapOvr>
     <a:masterClrMapping/>
@@ -1467,11 +1472,6 @@
         </p:txBody>
       </p:sp>
     </p:spTree>
-    <p:extLst>
-      <p:ext uri="{BB962C8B-B14F-4D97-AF65-F5344CB8AC3E}">
-        <p14:creationId xmlns:p14="http://schemas.microsoft.com/office/powerpoint/2010/main" val="821390689"/>
-      </p:ext>
-    </p:extLst>
   </p:cSld>
   <p:clrMapOvr>
     <a:masterClrMapping/>
@@ -1484,7 +1484,7 @@
   <p:cSld>
     <p:spTree>
       <p:nvGrpSpPr>
-        <p:cNvPr id="1" name="Shape 391"/>
+        <p:cNvPr id="1" name="Shape 227"/>
         <p:cNvGrpSpPr/>
         <p:nvPr/>
       </p:nvGrpSpPr>
@@ -1498,7 +1498,7 @@
       </p:grpSpPr>
       <p:sp>
         <p:nvSpPr>
-          <p:cNvPr id="392" name="Google Shape;392;g35ed75ccf_0113:notes"/>
+          <p:cNvPr id="228" name="Google Shape;228;p:notes"/>
           <p:cNvSpPr>
             <a:spLocks noGrp="1" noRot="1" noChangeAspect="1"/>
           </p:cNvSpPr>
@@ -1539,7 +1539,7 @@
       </p:sp>
       <p:sp>
         <p:nvSpPr>
-          <p:cNvPr id="393" name="Google Shape;393;g35ed75ccf_0113:notes"/>
+          <p:cNvPr id="229" name="Google Shape;229;p:notes"/>
           <p:cNvSpPr txBox="1">
             <a:spLocks noGrp="1"/>
           </p:cNvSpPr>
@@ -1562,7 +1562,7 @@
           </a:bodyPr>
           <a:lstStyle/>
           <a:p>
-            <a:pPr marL="0" lvl="0" indent="0" rtl="0">
+            <a:pPr marL="0" lvl="0" indent="0">
               <a:spcBef>
                 <a:spcPts val="0"/>
               </a:spcBef>
@@ -1578,7 +1578,7 @@
     </p:spTree>
     <p:extLst>
       <p:ext uri="{BB962C8B-B14F-4D97-AF65-F5344CB8AC3E}">
-        <p14:creationId xmlns:p14="http://schemas.microsoft.com/office/powerpoint/2010/main" val="3495370405"/>
+        <p14:creationId xmlns:p14="http://schemas.microsoft.com/office/powerpoint/2010/main" val="1883450439"/>
       </p:ext>
     </p:extLst>
   </p:cSld>
@@ -1687,7 +1687,7 @@
     </p:spTree>
     <p:extLst>
       <p:ext uri="{BB962C8B-B14F-4D97-AF65-F5344CB8AC3E}">
-        <p14:creationId xmlns:p14="http://schemas.microsoft.com/office/powerpoint/2010/main" val="3241337865"/>
+        <p14:creationId xmlns:p14="http://schemas.microsoft.com/office/powerpoint/2010/main" val="625378314"/>
       </p:ext>
     </p:extLst>
   </p:cSld>
@@ -1702,7 +1702,7 @@
   <p:cSld>
     <p:spTree>
       <p:nvGrpSpPr>
-        <p:cNvPr id="1" name="Shape 383"/>
+        <p:cNvPr id="1" name="Shape 227"/>
         <p:cNvGrpSpPr/>
         <p:nvPr/>
       </p:nvGrpSpPr>
@@ -1716,7 +1716,7 @@
       </p:grpSpPr>
       <p:sp>
         <p:nvSpPr>
-          <p:cNvPr id="384" name="Google Shape;384;g35ed75ccf_0106:notes"/>
+          <p:cNvPr id="228" name="Google Shape;228;p:notes"/>
           <p:cNvSpPr>
             <a:spLocks noGrp="1" noRot="1" noChangeAspect="1"/>
           </p:cNvSpPr>
@@ -1757,7 +1757,7 @@
       </p:sp>
       <p:sp>
         <p:nvSpPr>
-          <p:cNvPr id="385" name="Google Shape;385;g35ed75ccf_0106:notes"/>
+          <p:cNvPr id="229" name="Google Shape;229;p:notes"/>
           <p:cNvSpPr txBox="1">
             <a:spLocks noGrp="1"/>
           </p:cNvSpPr>
@@ -1780,7 +1780,7 @@
           </a:bodyPr>
           <a:lstStyle/>
           <a:p>
-            <a:pPr marL="0" lvl="0" indent="0" rtl="0">
+            <a:pPr marL="0" lvl="0" indent="0">
               <a:spcBef>
                 <a:spcPts val="0"/>
               </a:spcBef>
@@ -1796,7 +1796,7 @@
     </p:spTree>
     <p:extLst>
       <p:ext uri="{BB962C8B-B14F-4D97-AF65-F5344CB8AC3E}">
-        <p14:creationId xmlns:p14="http://schemas.microsoft.com/office/powerpoint/2010/main" val="2417115949"/>
+        <p14:creationId xmlns:p14="http://schemas.microsoft.com/office/powerpoint/2010/main" val="821390689"/>
       </p:ext>
     </p:extLst>
   </p:cSld>
@@ -1811,7 +1811,7 @@
   <p:cSld>
     <p:spTree>
       <p:nvGrpSpPr>
-        <p:cNvPr id="1" name="Shape 383"/>
+        <p:cNvPr id="1" name="Shape 227"/>
         <p:cNvGrpSpPr/>
         <p:nvPr/>
       </p:nvGrpSpPr>
@@ -1825,7 +1825,7 @@
       </p:grpSpPr>
       <p:sp>
         <p:nvSpPr>
-          <p:cNvPr id="384" name="Google Shape;384;g35ed75ccf_0106:notes"/>
+          <p:cNvPr id="228" name="Google Shape;228;p:notes"/>
           <p:cNvSpPr>
             <a:spLocks noGrp="1" noRot="1" noChangeAspect="1"/>
           </p:cNvSpPr>
@@ -1866,7 +1866,7 @@
       </p:sp>
       <p:sp>
         <p:nvSpPr>
-          <p:cNvPr id="385" name="Google Shape;385;g35ed75ccf_0106:notes"/>
+          <p:cNvPr id="229" name="Google Shape;229;p:notes"/>
           <p:cNvSpPr txBox="1">
             <a:spLocks noGrp="1"/>
           </p:cNvSpPr>
@@ -1889,7 +1889,7 @@
           </a:bodyPr>
           <a:lstStyle/>
           <a:p>
-            <a:pPr marL="0" lvl="0" indent="0" rtl="0">
+            <a:pPr marL="0" lvl="0" indent="0">
               <a:spcBef>
                 <a:spcPts val="0"/>
               </a:spcBef>
@@ -1905,7 +1905,7 @@
     </p:spTree>
     <p:extLst>
       <p:ext uri="{BB962C8B-B14F-4D97-AF65-F5344CB8AC3E}">
-        <p14:creationId xmlns:p14="http://schemas.microsoft.com/office/powerpoint/2010/main" val="1886437678"/>
+        <p14:creationId xmlns:p14="http://schemas.microsoft.com/office/powerpoint/2010/main" val="3082256819"/>
       </p:ext>
     </p:extLst>
   </p:cSld>
@@ -2014,7 +2014,7 @@
     </p:spTree>
     <p:extLst>
       <p:ext uri="{BB962C8B-B14F-4D97-AF65-F5344CB8AC3E}">
-        <p14:creationId xmlns:p14="http://schemas.microsoft.com/office/powerpoint/2010/main" val="1845451585"/>
+        <p14:creationId xmlns:p14="http://schemas.microsoft.com/office/powerpoint/2010/main" val="2417115949"/>
       </p:ext>
     </p:extLst>
   </p:cSld>
@@ -8146,7 +8146,7 @@
         </p:nvSpPr>
         <p:spPr>
           <a:xfrm>
-            <a:off x="2328150" y="1991825"/>
+            <a:off x="2267190" y="1714118"/>
             <a:ext cx="4487700" cy="1159800"/>
           </a:xfrm>
           <a:prstGeom prst="rect">
@@ -8478,6 +8478,63 @@
           </a:p>
         </p:txBody>
       </p:sp>
+      <p:sp>
+        <p:nvSpPr>
+          <p:cNvPr id="2" name="Rectangle 1"/>
+          <p:cNvSpPr/>
+          <p:nvPr/>
+        </p:nvSpPr>
+        <p:spPr>
+          <a:xfrm>
+            <a:off x="2861734" y="4391104"/>
+            <a:ext cx="4572000" cy="587853"/>
+          </a:xfrm>
+          <a:prstGeom prst="rect">
+            <a:avLst/>
+          </a:prstGeom>
+        </p:spPr>
+        <p:txBody>
+          <a:bodyPr>
+            <a:spAutoFit/>
+          </a:bodyPr>
+          <a:lstStyle/>
+          <a:p>
+            <a:pPr lvl="0">
+              <a:lnSpc>
+                <a:spcPct val="115000"/>
+              </a:lnSpc>
+              <a:spcBef>
+                <a:spcPts val="600"/>
+              </a:spcBef>
+            </a:pPr>
+            <a:r>
+              <a:rPr lang="en-US" dirty="0">
+                <a:solidFill>
+                  <a:schemeClr val="bg1"/>
+                </a:solidFill>
+              </a:rPr>
+              <a:t>You can download application sample:</a:t>
+            </a:r>
+          </a:p>
+          <a:p>
+            <a:pPr marL="0" lvl="0" indent="0">
+              <a:lnSpc>
+                <a:spcPct val="115000"/>
+              </a:lnSpc>
+              <a:buNone/>
+            </a:pPr>
+            <a:r>
+              <a:rPr lang="en-US" u="sng" dirty="0">
+                <a:solidFill>
+                  <a:srgbClr val="66FF33"/>
+                </a:solidFill>
+              </a:rPr>
+              <a:t>https://github.com/khdevnet/sw-checkout</a:t>
+            </a:r>
+            <a:endParaRPr lang="en-US" b="1" dirty="0"/>
+          </a:p>
+        </p:txBody>
+      </p:sp>
     </p:spTree>
   </p:cSld>
   <p:clrMapOvr>
@@ -8487,6 +8544,176 @@
 </file>
 
 <file path=ppt/slides/slide10.xml><?xml version="1.0" encoding="utf-8"?>
+<p:sld xmlns:a="http://schemas.openxmlformats.org/drawingml/2006/main" xmlns:r="http://schemas.openxmlformats.org/officeDocument/2006/relationships" xmlns:p="http://schemas.openxmlformats.org/presentationml/2006/main">
+  <p:cSld>
+    <p:spTree>
+      <p:nvGrpSpPr>
+        <p:cNvPr id="1" name="Shape 386"/>
+        <p:cNvGrpSpPr/>
+        <p:nvPr/>
+      </p:nvGrpSpPr>
+      <p:grpSpPr>
+        <a:xfrm>
+          <a:off x="0" y="0"/>
+          <a:ext cx="0" cy="0"/>
+          <a:chOff x="0" y="0"/>
+          <a:chExt cx="0" cy="0"/>
+        </a:xfrm>
+      </p:grpSpPr>
+      <p:sp>
+        <p:nvSpPr>
+          <p:cNvPr id="389" name="Google Shape;389;p36"/>
+          <p:cNvSpPr txBox="1">
+            <a:spLocks noGrp="1"/>
+          </p:cNvSpPr>
+          <p:nvPr>
+            <p:ph type="body" idx="4294967295"/>
+          </p:nvPr>
+        </p:nvSpPr>
+        <p:spPr>
+          <a:xfrm>
+            <a:off x="1319150" y="1545264"/>
+            <a:ext cx="3240000" cy="2481985"/>
+          </a:xfrm>
+          <a:prstGeom prst="rect">
+            <a:avLst/>
+          </a:prstGeom>
+        </p:spPr>
+        <p:txBody>
+          <a:bodyPr spcFirstLastPara="1" wrap="square" lIns="91425" tIns="91425" rIns="91425" bIns="91425" anchor="b" anchorCtr="0">
+            <a:noAutofit/>
+          </a:bodyPr>
+          <a:lstStyle/>
+          <a:p>
+            <a:pPr marL="0" lvl="0" indent="0">
+              <a:buNone/>
+            </a:pPr>
+            <a:r>
+              <a:rPr lang="en" sz="1800" b="1" dirty="0" smtClean="0">
+                <a:solidFill>
+                  <a:srgbClr val="33CCCC"/>
+                </a:solidFill>
+              </a:rPr>
+              <a:t>INFRASTRUCTURE</a:t>
+            </a:r>
+            <a:r>
+              <a:rPr lang="en" sz="1800" b="1" dirty="0" smtClean="0"/>
+              <a:t> </a:t>
+            </a:r>
+            <a:r>
+              <a:rPr lang="en" sz="1800" b="1" dirty="0"/>
+              <a:t>LAYEAR</a:t>
+            </a:r>
+            <a:endParaRPr sz="1800" b="1" dirty="0" smtClean="0"/>
+          </a:p>
+          <a:p>
+            <a:pPr marL="0" lvl="0" indent="0">
+              <a:buNone/>
+            </a:pPr>
+            <a:r>
+              <a:rPr lang="en-US" sz="1800" dirty="0" smtClean="0"/>
+              <a:t>It </a:t>
+            </a:r>
+            <a:r>
+              <a:rPr lang="en-US" sz="1800" dirty="0"/>
+              <a:t>implements </a:t>
+            </a:r>
+            <a:r>
+              <a:rPr lang="en-US" sz="1800" dirty="0" smtClean="0"/>
+              <a:t>not business logic requirements. It can contains Data access realization (PostgreSQL, </a:t>
+            </a:r>
+            <a:r>
+              <a:rPr lang="en-US" sz="1800" dirty="0" err="1" smtClean="0"/>
+              <a:t>EventStore</a:t>
+            </a:r>
+            <a:r>
+              <a:rPr lang="en-US" sz="1800" dirty="0" smtClean="0"/>
+              <a:t>), Message bus. </a:t>
+            </a:r>
+            <a:endParaRPr lang="en-US" sz="1800" dirty="0"/>
+          </a:p>
+        </p:txBody>
+      </p:sp>
+      <p:sp>
+        <p:nvSpPr>
+          <p:cNvPr id="390" name="Google Shape;390;p36"/>
+          <p:cNvSpPr txBox="1">
+            <a:spLocks noGrp="1"/>
+          </p:cNvSpPr>
+          <p:nvPr>
+            <p:ph type="sldNum" idx="12"/>
+          </p:nvPr>
+        </p:nvSpPr>
+        <p:spPr>
+          <a:xfrm>
+            <a:off x="8556775" y="4812625"/>
+            <a:ext cx="587100" cy="330900"/>
+          </a:xfrm>
+          <a:prstGeom prst="rect">
+            <a:avLst/>
+          </a:prstGeom>
+        </p:spPr>
+        <p:txBody>
+          <a:bodyPr spcFirstLastPara="1" wrap="square" lIns="91425" tIns="91425" rIns="91425" bIns="91425" anchor="t" anchorCtr="0">
+            <a:noAutofit/>
+          </a:bodyPr>
+          <a:lstStyle/>
+          <a:p>
+            <a:pPr marL="0" lvl="0" indent="0">
+              <a:spcBef>
+                <a:spcPts val="0"/>
+              </a:spcBef>
+              <a:spcAft>
+                <a:spcPts val="0"/>
+              </a:spcAft>
+              <a:buNone/>
+            </a:pPr>
+            <a:fld id="{00000000-1234-1234-1234-123412341234}" type="slidenum">
+              <a:rPr lang="en"/>
+              <a:t>10</a:t>
+            </a:fld>
+            <a:endParaRPr/>
+          </a:p>
+        </p:txBody>
+      </p:sp>
+      <p:pic>
+        <p:nvPicPr>
+          <p:cNvPr id="3" name="Picture 2"/>
+          <p:cNvPicPr>
+            <a:picLocks noChangeAspect="1"/>
+          </p:cNvPicPr>
+          <p:nvPr/>
+        </p:nvPicPr>
+        <p:blipFill>
+          <a:blip r:embed="rId3"/>
+          <a:stretch>
+            <a:fillRect/>
+          </a:stretch>
+        </p:blipFill>
+        <p:spPr>
+          <a:xfrm>
+            <a:off x="4559150" y="1935056"/>
+            <a:ext cx="3162300" cy="1828800"/>
+          </a:xfrm>
+          <a:prstGeom prst="rect">
+            <a:avLst/>
+          </a:prstGeom>
+        </p:spPr>
+      </p:pic>
+    </p:spTree>
+    <p:extLst>
+      <p:ext uri="{BB962C8B-B14F-4D97-AF65-F5344CB8AC3E}">
+        <p14:creationId xmlns:p14="http://schemas.microsoft.com/office/powerpoint/2010/main" val="427101985"/>
+      </p:ext>
+    </p:extLst>
+  </p:cSld>
+  <p:clrMapOvr>
+    <a:masterClrMapping/>
+  </p:clrMapOvr>
+</p:sld>
+</file>
+
+<file path=ppt/slides/slide11.xml><?xml version="1.0" encoding="utf-8"?>
 <p:sld xmlns:a="http://schemas.openxmlformats.org/drawingml/2006/main" xmlns:r="http://schemas.openxmlformats.org/officeDocument/2006/relationships" xmlns:p="http://schemas.openxmlformats.org/presentationml/2006/main">
   <p:cSld>
     <p:spTree>
@@ -8641,7 +8868,33 @@
                   <a:schemeClr val="bg1"/>
                 </a:solidFill>
               </a:rPr>
-              <a:t>everything designed into an information device with which a person may interact. This can include display </a:t>
+              <a:t>everything designed into an information device with which a person may interact. </a:t>
+            </a:r>
+            <a:endParaRPr lang="en-US" sz="1800" dirty="0" smtClean="0">
+              <a:solidFill>
+                <a:schemeClr val="bg1"/>
+              </a:solidFill>
+            </a:endParaRPr>
+          </a:p>
+          <a:p>
+            <a:pPr marL="0" lvl="0" indent="0">
+              <a:buNone/>
+            </a:pPr>
+            <a:r>
+              <a:rPr lang="en-US" sz="1800" dirty="0" smtClean="0">
+                <a:solidFill>
+                  <a:schemeClr val="bg1"/>
+                </a:solidFill>
+              </a:rPr>
+              <a:t>This </a:t>
+            </a:r>
+            <a:r>
+              <a:rPr lang="en-US" sz="1800" dirty="0">
+                <a:solidFill>
+                  <a:schemeClr val="bg1"/>
+                </a:solidFill>
+              </a:rPr>
+              <a:t>can include display </a:t>
             </a:r>
             <a:r>
               <a:rPr lang="en-US" sz="1800" u="sng" dirty="0">
@@ -8778,174 +9031,6 @@
             </a:pPr>
             <a:fld id="{00000000-1234-1234-1234-123412341234}" type="slidenum">
               <a:rPr lang="en"/>
-              <a:t>10</a:t>
-            </a:fld>
-            <a:endParaRPr/>
-          </a:p>
-        </p:txBody>
-      </p:sp>
-      <p:pic>
-        <p:nvPicPr>
-          <p:cNvPr id="6" name="Picture 5"/>
-          <p:cNvPicPr>
-            <a:picLocks noChangeAspect="1"/>
-          </p:cNvPicPr>
-          <p:nvPr/>
-        </p:nvPicPr>
-        <p:blipFill>
-          <a:blip r:embed="rId3">
-            <a:extLst>
-              <a:ext uri="{28A0092B-C50C-407E-A947-70E740481C1C}">
-                <a14:useLocalDpi xmlns:a14="http://schemas.microsoft.com/office/drawing/2010/main" val="0"/>
-              </a:ext>
-            </a:extLst>
-          </a:blip>
-          <a:stretch>
-            <a:fillRect/>
-          </a:stretch>
-        </p:blipFill>
-        <p:spPr>
-          <a:xfrm>
-            <a:off x="4787702" y="535613"/>
-            <a:ext cx="2691998" cy="4334414"/>
-          </a:xfrm>
-          <a:prstGeom prst="rect">
-            <a:avLst/>
-          </a:prstGeom>
-        </p:spPr>
-      </p:pic>
-    </p:spTree>
-    <p:extLst>
-      <p:ext uri="{BB962C8B-B14F-4D97-AF65-F5344CB8AC3E}">
-        <p14:creationId xmlns:p14="http://schemas.microsoft.com/office/powerpoint/2010/main" val="2800976658"/>
-      </p:ext>
-    </p:extLst>
-  </p:cSld>
-  <p:clrMapOvr>
-    <a:masterClrMapping/>
-  </p:clrMapOvr>
-</p:sld>
-</file>
-
-<file path=ppt/slides/slide11.xml><?xml version="1.0" encoding="utf-8"?>
-<p:sld xmlns:a="http://schemas.openxmlformats.org/drawingml/2006/main" xmlns:r="http://schemas.openxmlformats.org/officeDocument/2006/relationships" xmlns:p="http://schemas.openxmlformats.org/presentationml/2006/main">
-  <p:cSld>
-    <p:spTree>
-      <p:nvGrpSpPr>
-        <p:cNvPr id="1" name="Shape 386"/>
-        <p:cNvGrpSpPr/>
-        <p:nvPr/>
-      </p:nvGrpSpPr>
-      <p:grpSpPr>
-        <a:xfrm>
-          <a:off x="0" y="0"/>
-          <a:ext cx="0" cy="0"/>
-          <a:chOff x="0" y="0"/>
-          <a:chExt cx="0" cy="0"/>
-        </a:xfrm>
-      </p:grpSpPr>
-      <p:sp>
-        <p:nvSpPr>
-          <p:cNvPr id="389" name="Google Shape;389;p36"/>
-          <p:cNvSpPr txBox="1">
-            <a:spLocks noGrp="1"/>
-          </p:cNvSpPr>
-          <p:nvPr>
-            <p:ph type="body" idx="4294967295"/>
-          </p:nvPr>
-        </p:nvSpPr>
-        <p:spPr>
-          <a:xfrm>
-            <a:off x="1319150" y="1545264"/>
-            <a:ext cx="3240000" cy="2481985"/>
-          </a:xfrm>
-          <a:prstGeom prst="rect">
-            <a:avLst/>
-          </a:prstGeom>
-        </p:spPr>
-        <p:txBody>
-          <a:bodyPr spcFirstLastPara="1" wrap="square" lIns="91425" tIns="91425" rIns="91425" bIns="91425" anchor="b" anchorCtr="0">
-            <a:noAutofit/>
-          </a:bodyPr>
-          <a:lstStyle/>
-          <a:p>
-            <a:pPr marL="0" lvl="0" indent="0">
-              <a:buNone/>
-            </a:pPr>
-            <a:r>
-              <a:rPr lang="en" sz="1800" b="1" dirty="0" smtClean="0">
-                <a:solidFill>
-                  <a:srgbClr val="33CCCC"/>
-                </a:solidFill>
-              </a:rPr>
-              <a:t>TESTS</a:t>
-            </a:r>
-            <a:r>
-              <a:rPr lang="en" sz="1800" b="1" dirty="0" smtClean="0"/>
-              <a:t> </a:t>
-            </a:r>
-            <a:r>
-              <a:rPr lang="en" sz="1800" b="1" dirty="0"/>
-              <a:t>LAYEAR</a:t>
-            </a:r>
-            <a:endParaRPr sz="1800" b="1" dirty="0" smtClean="0"/>
-          </a:p>
-          <a:p>
-            <a:pPr marL="0" lvl="0" indent="0">
-              <a:buNone/>
-            </a:pPr>
-            <a:r>
-              <a:rPr lang="en-US" sz="1800" dirty="0" smtClean="0">
-                <a:solidFill>
-                  <a:schemeClr val="bg1"/>
-                </a:solidFill>
-              </a:rPr>
-              <a:t>Contains different types of tests (Unit, Integration, Performance).</a:t>
-            </a:r>
-            <a:endParaRPr lang="en-US" sz="1800" dirty="0">
-              <a:solidFill>
-                <a:schemeClr val="bg1"/>
-              </a:solidFill>
-            </a:endParaRPr>
-          </a:p>
-        </p:txBody>
-      </p:sp>
-      <p:sp>
-        <p:nvSpPr>
-          <p:cNvPr id="390" name="Google Shape;390;p36"/>
-          <p:cNvSpPr txBox="1">
-            <a:spLocks noGrp="1"/>
-          </p:cNvSpPr>
-          <p:nvPr>
-            <p:ph type="sldNum" idx="12"/>
-          </p:nvPr>
-        </p:nvSpPr>
-        <p:spPr>
-          <a:xfrm>
-            <a:off x="8556775" y="4812625"/>
-            <a:ext cx="587100" cy="330900"/>
-          </a:xfrm>
-          <a:prstGeom prst="rect">
-            <a:avLst/>
-          </a:prstGeom>
-        </p:spPr>
-        <p:txBody>
-          <a:bodyPr spcFirstLastPara="1" wrap="square" lIns="91425" tIns="91425" rIns="91425" bIns="91425" anchor="t" anchorCtr="0">
-            <a:noAutofit/>
-          </a:bodyPr>
-          <a:lstStyle/>
-          <a:p>
-            <a:pPr marL="0" lvl="0" indent="0">
-              <a:spcBef>
-                <a:spcPts val="0"/>
-              </a:spcBef>
-              <a:spcAft>
-                <a:spcPts val="0"/>
-              </a:spcAft>
-              <a:buNone/>
-            </a:pPr>
-            <a:fld id="{00000000-1234-1234-1234-123412341234}" type="slidenum">
-              <a:rPr lang="en"/>
               <a:t>11</a:t>
             </a:fld>
             <a:endParaRPr/>
@@ -8961,21 +9046,15 @@
           <p:nvPr/>
         </p:nvPicPr>
         <p:blipFill>
-          <a:blip r:embed="rId3">
-            <a:extLst>
-              <a:ext uri="{28A0092B-C50C-407E-A947-70E740481C1C}">
-                <a14:useLocalDpi xmlns:a14="http://schemas.microsoft.com/office/drawing/2010/main" val="0"/>
-              </a:ext>
-            </a:extLst>
-          </a:blip>
+          <a:blip r:embed="rId3"/>
           <a:stretch>
             <a:fillRect/>
           </a:stretch>
         </p:blipFill>
         <p:spPr>
           <a:xfrm>
-            <a:off x="4787702" y="1053050"/>
-            <a:ext cx="3086100" cy="3190875"/>
+            <a:off x="4986400" y="879668"/>
+            <a:ext cx="2493300" cy="3813175"/>
           </a:xfrm>
           <a:prstGeom prst="rect">
             <a:avLst/>
@@ -8985,7 +9064,7 @@
     </p:spTree>
     <p:extLst>
       <p:ext uri="{BB962C8B-B14F-4D97-AF65-F5344CB8AC3E}">
-        <p14:creationId xmlns:p14="http://schemas.microsoft.com/office/powerpoint/2010/main" val="692195706"/>
+        <p14:creationId xmlns:p14="http://schemas.microsoft.com/office/powerpoint/2010/main" val="2800976658"/>
       </p:ext>
     </p:extLst>
   </p:cSld>
@@ -9048,7 +9127,11 @@
             </a:pPr>
             <a:r>
               <a:rPr lang="en" dirty="0" smtClean="0"/>
-              <a:t>Onion Architecture</a:t>
+              <a:t>CQRS/ES </a:t>
+            </a:r>
+            <a:r>
+              <a:rPr lang="en" dirty="0" smtClean="0"/>
+              <a:t>Architecture</a:t>
             </a:r>
             <a:endParaRPr dirty="0"/>
           </a:p>
@@ -9105,16 +9188,27 @@
               <a:buSzPts val="1400"/>
             </a:pPr>
             <a:r>
-              <a:rPr lang="en-US" sz="1400" dirty="0">
-                <a:hlinkClick r:id="rId3"/>
-              </a:rPr>
-              <a:t>https://</a:t>
-            </a:r>
-            <a:r>
-              <a:rPr lang="en-US" sz="1400" dirty="0" smtClean="0">
-                <a:hlinkClick r:id="rId3"/>
-              </a:rPr>
-              <a:t>blog.thedigitalgroup.com/understanding-onion-architecture</a:t>
+              <a:rPr lang="en-US" sz="1400" dirty="0"/>
+              <a:t>https://docs.microsoft.com/en-us/previous-versions/msp-n-p/jj554200(v=pandp.10)</a:t>
+            </a:r>
+          </a:p>
+          <a:p>
+            <a:pPr lvl="0" indent="-317500">
+              <a:lnSpc>
+                <a:spcPct val="115000"/>
+              </a:lnSpc>
+              <a:buClr>
+                <a:srgbClr val="FFFFFF"/>
+              </a:buClr>
+              <a:buSzPts val="1400"/>
+            </a:pPr>
+            <a:r>
+              <a:rPr lang="en-US" sz="1400" dirty="0" smtClean="0"/>
+              <a:t>https</a:t>
+            </a:r>
+            <a:r>
+              <a:rPr lang="en-US" sz="1400" dirty="0"/>
+              <a:t>://martinfowler.com/bliki/CQRS.html </a:t>
             </a:r>
             <a:endParaRPr lang="en-US" sz="1400" dirty="0" smtClean="0"/>
           </a:p>
@@ -9129,16 +9223,23 @@
               <a:buSzPts val="1400"/>
             </a:pPr>
             <a:r>
-              <a:rPr lang="en-US" sz="1400" dirty="0">
-                <a:hlinkClick r:id="rId4"/>
-              </a:rPr>
-              <a:t>https://jeffreypalermo.com/2008/07/the-onion-architecture-part-1</a:t>
-            </a:r>
-            <a:r>
-              <a:rPr lang="en-US" sz="1400" dirty="0" smtClean="0">
-                <a:hlinkClick r:id="rId4"/>
-              </a:rPr>
-              <a:t>/</a:t>
+              <a:rPr lang="en-US" sz="1400" dirty="0"/>
+              <a:t>https://martinfowler.com/eaaDev/EventSourcing.html</a:t>
+            </a:r>
+          </a:p>
+          <a:p>
+            <a:pPr lvl="0" indent="-317500">
+              <a:lnSpc>
+                <a:spcPct val="115000"/>
+              </a:lnSpc>
+              <a:buClr>
+                <a:srgbClr val="FFFFFF"/>
+              </a:buClr>
+              <a:buSzPts val="1400"/>
+            </a:pPr>
+            <a:r>
+              <a:rPr lang="en-US" sz="1400" dirty="0"/>
+              <a:t>https://github.com/michaellperry/PharmaNet </a:t>
             </a:r>
             <a:endParaRPr lang="en-US" sz="1400" dirty="0" smtClean="0"/>
           </a:p>
@@ -9153,16 +9254,8 @@
               <a:buSzPts val="1400"/>
             </a:pPr>
             <a:r>
-              <a:rPr lang="en-US" sz="1400" dirty="0">
-                <a:hlinkClick r:id="rId5"/>
-              </a:rPr>
-              <a:t>https://</a:t>
-            </a:r>
-            <a:r>
-              <a:rPr lang="en-US" sz="1400" dirty="0" smtClean="0">
-                <a:hlinkClick r:id="rId5"/>
-              </a:rPr>
-              <a:t>social.technet.microsoft.com/wiki/contents/articles/36655.onion-architecture-in-asp-net-core-mvc.aspx</a:t>
+              <a:rPr lang="en-US" sz="1400" dirty="0"/>
+              <a:t>https://github.com/oskardudycz/EventSourcing.NetCore</a:t>
             </a:r>
             <a:endParaRPr sz="1400" dirty="0"/>
           </a:p>
@@ -9179,9 +9272,43 @@
               </a:spcAft>
               <a:buNone/>
             </a:pPr>
+            <a:endParaRPr lang="en" sz="1400" dirty="0" smtClean="0"/>
+          </a:p>
+          <a:p>
+            <a:pPr marL="0" lvl="0" indent="0" rtl="0">
+              <a:lnSpc>
+                <a:spcPct val="115000"/>
+              </a:lnSpc>
+              <a:spcBef>
+                <a:spcPts val="600"/>
+              </a:spcBef>
+              <a:spcAft>
+                <a:spcPts val="0"/>
+              </a:spcAft>
+              <a:buNone/>
+            </a:pPr>
+            <a:endParaRPr lang="en" sz="1400" dirty="0"/>
+          </a:p>
+          <a:p>
+            <a:pPr marL="0" lvl="0" indent="0" rtl="0">
+              <a:lnSpc>
+                <a:spcPct val="115000"/>
+              </a:lnSpc>
+              <a:spcBef>
+                <a:spcPts val="600"/>
+              </a:spcBef>
+              <a:spcAft>
+                <a:spcPts val="0"/>
+              </a:spcAft>
+              <a:buNone/>
+            </a:pPr>
+            <a:r>
+              <a:rPr lang="en" sz="1400" dirty="0" smtClean="0"/>
+              <a:t>You </a:t>
+            </a:r>
             <a:r>
               <a:rPr lang="en" sz="1400" dirty="0"/>
-              <a:t>You can download </a:t>
+              <a:t>can download </a:t>
             </a:r>
             <a:r>
               <a:rPr lang="en" sz="1400" dirty="0" smtClean="0"/>
@@ -9202,95 +9329,9 @@
                   <a:srgbClr val="66FF33"/>
                 </a:solidFill>
               </a:rPr>
-              <a:t>https://github.com/khdevnet/onion-architecture</a:t>
-            </a:r>
-            <a:endParaRPr sz="1400" dirty="0"/>
-          </a:p>
-          <a:p>
-            <a:pPr marL="0" lvl="0" indent="0" rtl="0">
-              <a:lnSpc>
-                <a:spcPct val="115000"/>
-              </a:lnSpc>
-              <a:spcBef>
-                <a:spcPts val="600"/>
-              </a:spcBef>
-              <a:spcAft>
-                <a:spcPts val="0"/>
-              </a:spcAft>
-              <a:buNone/>
-            </a:pPr>
+              <a:t>https://github.com/khdevnet/sw-checkout</a:t>
+            </a:r>
             <a:endParaRPr sz="1400" b="1" dirty="0"/>
-          </a:p>
-        </p:txBody>
-      </p:sp>
-      <p:sp>
-        <p:nvSpPr>
-          <p:cNvPr id="420" name="Google Shape;420;p40"/>
-          <p:cNvSpPr txBox="1"/>
-          <p:nvPr/>
-        </p:nvSpPr>
-        <p:spPr>
-          <a:xfrm>
-            <a:off x="1099275" y="4247850"/>
-            <a:ext cx="7741200" cy="537900"/>
-          </a:xfrm>
-          <a:prstGeom prst="rect">
-            <a:avLst/>
-          </a:prstGeom>
-          <a:noFill/>
-          <a:ln>
-            <a:noFill/>
-          </a:ln>
-        </p:spPr>
-        <p:txBody>
-          <a:bodyPr spcFirstLastPara="1" wrap="square" lIns="91425" tIns="91425" rIns="91425" bIns="91425" anchor="t" anchorCtr="0">
-            <a:noAutofit/>
-          </a:bodyPr>
-          <a:lstStyle/>
-          <a:p>
-            <a:pPr marL="0" lvl="0" indent="0" rtl="0">
-              <a:spcBef>
-                <a:spcPts val="0"/>
-              </a:spcBef>
-              <a:spcAft>
-                <a:spcPts val="0"/>
-              </a:spcAft>
-              <a:buClr>
-                <a:schemeClr val="dk1"/>
-              </a:buClr>
-              <a:buSzPts val="1100"/>
-              <a:buFont typeface="Arial"/>
-              <a:buNone/>
-            </a:pPr>
-            <a:endParaRPr dirty="0">
-              <a:solidFill>
-                <a:srgbClr val="6699FF"/>
-              </a:solidFill>
-              <a:latin typeface="Hind"/>
-              <a:ea typeface="Hind"/>
-              <a:cs typeface="Hind"/>
-              <a:sym typeface="Hind"/>
-            </a:endParaRPr>
-          </a:p>
-          <a:p>
-            <a:pPr marL="0" lvl="0" indent="0" rtl="0">
-              <a:spcBef>
-                <a:spcPts val="0"/>
-              </a:spcBef>
-              <a:spcAft>
-                <a:spcPts val="0"/>
-              </a:spcAft>
-              <a:buNone/>
-            </a:pPr>
-            <a:endParaRPr dirty="0">
-              <a:solidFill>
-                <a:srgbClr val="6699FF"/>
-              </a:solidFill>
-              <a:latin typeface="Hind"/>
-              <a:ea typeface="Hind"/>
-              <a:cs typeface="Hind"/>
-              <a:sym typeface="Hind"/>
-            </a:endParaRPr>
           </a:p>
         </p:txBody>
       </p:sp>
@@ -9441,11 +9482,7 @@
             </a:r>
             <a:r>
               <a:rPr lang="en-US" sz="1200" dirty="0" smtClean="0"/>
-              <a:t>CQRS Architecture </a:t>
-            </a:r>
-            <a:r>
-              <a:rPr lang="en-US" sz="1200" dirty="0" smtClean="0"/>
-              <a:t>used </a:t>
+              <a:t>CQRS Architecture used </a:t>
             </a:r>
             <a:r>
               <a:rPr lang="en-US" sz="1200" dirty="0"/>
@@ -9676,8 +9713,8 @@
           <a:p>
             <a:pPr lvl="0"/>
             <a:r>
-              <a:rPr lang="en-US" dirty="0"/>
-              <a:t>Key tenets of Onion Architecture</a:t>
+              <a:rPr lang="en-US" dirty="0" smtClean="0"/>
+              <a:t>What is CQRS</a:t>
             </a:r>
             <a:endParaRPr dirty="0"/>
           </a:p>
@@ -9708,72 +9745,26 @@
           </a:bodyPr>
           <a:lstStyle/>
           <a:p>
+            <a:pPr marL="76200" indent="0">
+              <a:buNone/>
+            </a:pPr>
             <a:r>
               <a:rPr lang="en-US" sz="1800" i="1" dirty="0"/>
-              <a:t>The application is built around an independent object </a:t>
+              <a:t>CQRS means "Command-query responsibility segregation". We segregate the responsibility between commands (write requests) and queries(read requests). The write requests and the read requests are handled by different objects</a:t>
             </a:r>
             <a:r>
               <a:rPr lang="en-US" sz="1800" i="1" dirty="0" smtClean="0"/>
-              <a:t>model</a:t>
-            </a:r>
-            <a:endParaRPr sz="1800" dirty="0"/>
-          </a:p>
-          <a:p>
-            <a:pPr fontAlgn="base"/>
+              <a:t>.</a:t>
+            </a:r>
+            <a:r>
+              <a:rPr lang="en-US" dirty="0"/>
+              <a:t> </a:t>
+            </a:r>
             <a:r>
               <a:rPr lang="en-US" sz="1800" i="1" dirty="0"/>
-              <a:t>Inner layers define interfaces.  Outer layers implement interfaces</a:t>
-            </a:r>
-            <a:endParaRPr lang="en-US" sz="1800" dirty="0"/>
-          </a:p>
-          <a:p>
-            <a:pPr>
-              <a:spcBef>
-                <a:spcPts val="0"/>
-              </a:spcBef>
-            </a:pPr>
-            <a:r>
-              <a:rPr lang="en-US" sz="1800" i="1" dirty="0"/>
-              <a:t>Direction of coupling is toward the center</a:t>
-            </a:r>
-            <a:endParaRPr lang="en-US" sz="1800" dirty="0"/>
-          </a:p>
-          <a:p>
-            <a:pPr>
-              <a:spcBef>
-                <a:spcPts val="0"/>
-              </a:spcBef>
-            </a:pPr>
-            <a:r>
-              <a:rPr lang="en-US" sz="1800" i="1" dirty="0"/>
-              <a:t>All application core code can be compiled and run separate from infrastructure</a:t>
-            </a:r>
-            <a:endParaRPr lang="en-US" sz="1800" dirty="0"/>
-          </a:p>
-          <a:p>
-            <a:pPr marL="457200" lvl="0" indent="-381000" rtl="0">
-              <a:spcBef>
-                <a:spcPts val="0"/>
-              </a:spcBef>
-              <a:spcAft>
-                <a:spcPts val="0"/>
-              </a:spcAft>
-              <a:buSzPts val="2400"/>
-              <a:buChar char="›"/>
-            </a:pPr>
-            <a:endParaRPr dirty="0"/>
-          </a:p>
-          <a:p>
-            <a:pPr marL="0" lvl="0" indent="0" rtl="0">
-              <a:spcBef>
-                <a:spcPts val="600"/>
-              </a:spcBef>
-              <a:spcAft>
-                <a:spcPts val="0"/>
-              </a:spcAft>
-              <a:buNone/>
-            </a:pPr>
-            <a:endParaRPr dirty="0"/>
+              <a:t>We can further split up the data storage, having separate read and write stores. Once that happens, there may be many read stores, optimized for handling different types of queries or spanning many bounded contexts.</a:t>
+            </a:r>
+            <a:endParaRPr sz="1800" i="1" dirty="0"/>
           </a:p>
         </p:txBody>
       </p:sp>
@@ -9820,6 +9811,11 @@
         </p:txBody>
       </p:sp>
     </p:spTree>
+    <p:extLst>
+      <p:ext uri="{BB962C8B-B14F-4D97-AF65-F5344CB8AC3E}">
+        <p14:creationId xmlns:p14="http://schemas.microsoft.com/office/powerpoint/2010/main" val="2555767958"/>
+      </p:ext>
+    </p:extLst>
   </p:cSld>
   <p:clrMapOvr>
     <a:masterClrMapping/>
@@ -9856,8 +9852,8 @@
         </p:nvSpPr>
         <p:spPr>
           <a:xfrm>
-            <a:off x="1067087" y="301752"/>
-            <a:ext cx="6148875" cy="636000"/>
+            <a:off x="1067088" y="301752"/>
+            <a:ext cx="5972100" cy="636000"/>
           </a:xfrm>
           <a:prstGeom prst="rect">
             <a:avLst/>
@@ -9869,13 +9865,10 @@
           </a:bodyPr>
           <a:lstStyle/>
           <a:p>
-            <a:r>
-              <a:rPr lang="en-US" dirty="0"/>
-              <a:t>Advantages of Onion </a:t>
-            </a:r>
+            <a:pPr lvl="0"/>
             <a:r>
               <a:rPr lang="en-US" dirty="0" smtClean="0"/>
-              <a:t>Architecture</a:t>
+              <a:t>When to use CQRS</a:t>
             </a:r>
             <a:endParaRPr dirty="0"/>
           </a:p>
@@ -9907,52 +9900,30 @@
           <a:lstStyle/>
           <a:p>
             <a:r>
-              <a:rPr lang="en-US" sz="1600" dirty="0"/>
-              <a:t>It provides better maintainability as all the codes depend on layers or the center.</a:t>
+              <a:rPr lang="en-US" sz="1800" i="1" dirty="0"/>
+              <a:t>Collaborative domains where multiple operations are performed in parallel on the </a:t>
+            </a:r>
+            <a:r>
+              <a:rPr lang="en-US" sz="1800" i="1" dirty="0" smtClean="0"/>
+              <a:t>same.</a:t>
             </a:r>
           </a:p>
           <a:p>
             <a:r>
-              <a:rPr lang="en-US" sz="1600" dirty="0"/>
-              <a:t>It provides better testability as the unit test can be created for separate layers without an effect of other modules of the application.</a:t>
+              <a:rPr lang="en-US" sz="1800" i="1" dirty="0"/>
+              <a:t>Task-based user interfaces where users are guided through a complex process as a series of steps or with complex domain models</a:t>
+            </a:r>
+            <a:r>
+              <a:rPr lang="en-US" sz="1800" i="1" dirty="0" smtClean="0"/>
+              <a:t>.</a:t>
             </a:r>
           </a:p>
           <a:p>
             <a:r>
-              <a:rPr lang="en-US" sz="1600" dirty="0"/>
-              <a:t>It develops a loosely coupled application as the outer layer of the application always communicates with inner layer via interfaces.</a:t>
-            </a:r>
-          </a:p>
-          <a:p>
-            <a:r>
-              <a:rPr lang="en-US" sz="1600" dirty="0"/>
-              <a:t>Any concrete implantation would be provided to the application at run time</a:t>
-            </a:r>
-          </a:p>
-          <a:p>
-            <a:r>
-              <a:rPr lang="en-US" sz="1600" dirty="0"/>
-              <a:t>Domain entities are core and center part. It can have access to both database and UI layers.</a:t>
-            </a:r>
-          </a:p>
-          <a:p>
-            <a:r>
-              <a:rPr lang="en-US" sz="1600" dirty="0"/>
-              <a:t>The internal layers never depend on external layer. The code that may have changed should be part of an external layer.</a:t>
-            </a:r>
-          </a:p>
-          <a:p>
-            <a:pPr marL="457200" lvl="0" indent="-381000" rtl="0">
-              <a:spcBef>
-                <a:spcPts val="0"/>
-              </a:spcBef>
-              <a:spcAft>
-                <a:spcPts val="0"/>
-              </a:spcAft>
-              <a:buSzPts val="2400"/>
-              <a:buChar char="›"/>
-            </a:pPr>
-            <a:endParaRPr dirty="0"/>
+              <a:rPr lang="en-US" sz="1800" i="1" dirty="0"/>
+              <a:t>Scenarios where performance of data reads must be fine tuned separately from performance of data writes, especially when the read/write ratio is very high, and when horizontal scaling is required</a:t>
+            </a:r>
+            <a:endParaRPr sz="1800" i="1" dirty="0"/>
           </a:p>
           <a:p>
             <a:pPr marL="0" lvl="0" indent="0" rtl="0">
@@ -10011,11 +9982,6 @@
         </p:txBody>
       </p:sp>
     </p:spTree>
-    <p:extLst>
-      <p:ext uri="{BB962C8B-B14F-4D97-AF65-F5344CB8AC3E}">
-        <p14:creationId xmlns:p14="http://schemas.microsoft.com/office/powerpoint/2010/main" val="2667426634"/>
-      </p:ext>
-    </p:extLst>
   </p:cSld>
   <p:clrMapOvr>
     <a:masterClrMapping/>
@@ -10028,7 +9994,7 @@
   <p:cSld>
     <p:spTree>
       <p:nvGrpSpPr>
-        <p:cNvPr id="1" name="Shape 394"/>
+        <p:cNvPr id="1" name="Shape 230"/>
         <p:cNvGrpSpPr/>
         <p:nvPr/>
       </p:nvGrpSpPr>
@@ -10042,509 +10008,18 @@
       </p:grpSpPr>
       <p:sp>
         <p:nvSpPr>
-          <p:cNvPr id="395" name="Google Shape;395;p37"/>
-          <p:cNvSpPr/>
-          <p:nvPr/>
-        </p:nvSpPr>
-        <p:spPr>
-          <a:xfrm>
-            <a:off x="3076725" y="896774"/>
-            <a:ext cx="4596701" cy="3578584"/>
-          </a:xfrm>
-          <a:custGeom>
-            <a:avLst/>
-            <a:gdLst/>
-            <a:ahLst/>
-            <a:cxnLst/>
-            <a:rect l="l" t="t" r="r" b="b"/>
-            <a:pathLst>
-              <a:path w="143434" h="111665" extrusionOk="0">
-                <a:moveTo>
-                  <a:pt x="71751" y="2308"/>
-                </a:moveTo>
-                <a:lnTo>
-                  <a:pt x="71887" y="2376"/>
-                </a:lnTo>
-                <a:lnTo>
-                  <a:pt x="72091" y="2444"/>
-                </a:lnTo>
-                <a:lnTo>
-                  <a:pt x="72159" y="2647"/>
-                </a:lnTo>
-                <a:lnTo>
-                  <a:pt x="72226" y="2783"/>
-                </a:lnTo>
-                <a:lnTo>
-                  <a:pt x="72159" y="2987"/>
-                </a:lnTo>
-                <a:lnTo>
-                  <a:pt x="72091" y="3190"/>
-                </a:lnTo>
-                <a:lnTo>
-                  <a:pt x="71887" y="3258"/>
-                </a:lnTo>
-                <a:lnTo>
-                  <a:pt x="71751" y="3326"/>
-                </a:lnTo>
-                <a:lnTo>
-                  <a:pt x="71548" y="3258"/>
-                </a:lnTo>
-                <a:lnTo>
-                  <a:pt x="71344" y="3190"/>
-                </a:lnTo>
-                <a:lnTo>
-                  <a:pt x="71276" y="2987"/>
-                </a:lnTo>
-                <a:lnTo>
-                  <a:pt x="71208" y="2783"/>
-                </a:lnTo>
-                <a:lnTo>
-                  <a:pt x="71276" y="2647"/>
-                </a:lnTo>
-                <a:lnTo>
-                  <a:pt x="71344" y="2444"/>
-                </a:lnTo>
-                <a:lnTo>
-                  <a:pt x="71548" y="2376"/>
-                </a:lnTo>
-                <a:lnTo>
-                  <a:pt x="71751" y="2308"/>
-                </a:lnTo>
-                <a:close/>
-                <a:moveTo>
-                  <a:pt x="137528" y="5906"/>
-                </a:moveTo>
-                <a:lnTo>
-                  <a:pt x="137596" y="5974"/>
-                </a:lnTo>
-                <a:lnTo>
-                  <a:pt x="137596" y="89604"/>
-                </a:lnTo>
-                <a:lnTo>
-                  <a:pt x="5906" y="89604"/>
-                </a:lnTo>
-                <a:lnTo>
-                  <a:pt x="5906" y="5974"/>
-                </a:lnTo>
-                <a:lnTo>
-                  <a:pt x="5906" y="5906"/>
-                </a:lnTo>
-                <a:close/>
-                <a:moveTo>
-                  <a:pt x="3530" y="0"/>
-                </a:moveTo>
-                <a:lnTo>
-                  <a:pt x="3191" y="68"/>
-                </a:lnTo>
-                <a:lnTo>
-                  <a:pt x="2444" y="339"/>
-                </a:lnTo>
-                <a:lnTo>
-                  <a:pt x="1766" y="679"/>
-                </a:lnTo>
-                <a:lnTo>
-                  <a:pt x="1155" y="1154"/>
-                </a:lnTo>
-                <a:lnTo>
-                  <a:pt x="679" y="1765"/>
-                </a:lnTo>
-                <a:lnTo>
-                  <a:pt x="272" y="2444"/>
-                </a:lnTo>
-                <a:lnTo>
-                  <a:pt x="69" y="3190"/>
-                </a:lnTo>
-                <a:lnTo>
-                  <a:pt x="1" y="3598"/>
-                </a:lnTo>
-                <a:lnTo>
-                  <a:pt x="1" y="4005"/>
-                </a:lnTo>
-                <a:lnTo>
-                  <a:pt x="1" y="91572"/>
-                </a:lnTo>
-                <a:lnTo>
-                  <a:pt x="1" y="91979"/>
-                </a:lnTo>
-                <a:lnTo>
-                  <a:pt x="69" y="92319"/>
-                </a:lnTo>
-                <a:lnTo>
-                  <a:pt x="272" y="93065"/>
-                </a:lnTo>
-                <a:lnTo>
-                  <a:pt x="679" y="93744"/>
-                </a:lnTo>
-                <a:lnTo>
-                  <a:pt x="1155" y="94355"/>
-                </a:lnTo>
-                <a:lnTo>
-                  <a:pt x="1766" y="94830"/>
-                </a:lnTo>
-                <a:lnTo>
-                  <a:pt x="2444" y="95238"/>
-                </a:lnTo>
-                <a:lnTo>
-                  <a:pt x="3191" y="95441"/>
-                </a:lnTo>
-                <a:lnTo>
-                  <a:pt x="3530" y="95509"/>
-                </a:lnTo>
-                <a:lnTo>
-                  <a:pt x="139904" y="95509"/>
-                </a:lnTo>
-                <a:lnTo>
-                  <a:pt x="140311" y="95441"/>
-                </a:lnTo>
-                <a:lnTo>
-                  <a:pt x="141058" y="95238"/>
-                </a:lnTo>
-                <a:lnTo>
-                  <a:pt x="141737" y="94830"/>
-                </a:lnTo>
-                <a:lnTo>
-                  <a:pt x="142280" y="94355"/>
-                </a:lnTo>
-                <a:lnTo>
-                  <a:pt x="142755" y="93744"/>
-                </a:lnTo>
-                <a:lnTo>
-                  <a:pt x="143162" y="93065"/>
-                </a:lnTo>
-                <a:lnTo>
-                  <a:pt x="143366" y="92319"/>
-                </a:lnTo>
-                <a:lnTo>
-                  <a:pt x="143434" y="91979"/>
-                </a:lnTo>
-                <a:lnTo>
-                  <a:pt x="143434" y="91572"/>
-                </a:lnTo>
-                <a:lnTo>
-                  <a:pt x="143434" y="4005"/>
-                </a:lnTo>
-                <a:lnTo>
-                  <a:pt x="143434" y="3598"/>
-                </a:lnTo>
-                <a:lnTo>
-                  <a:pt x="143366" y="3190"/>
-                </a:lnTo>
-                <a:lnTo>
-                  <a:pt x="143162" y="2444"/>
-                </a:lnTo>
-                <a:lnTo>
-                  <a:pt x="142755" y="1765"/>
-                </a:lnTo>
-                <a:lnTo>
-                  <a:pt x="142280" y="1154"/>
-                </a:lnTo>
-                <a:lnTo>
-                  <a:pt x="141737" y="679"/>
-                </a:lnTo>
-                <a:lnTo>
-                  <a:pt x="141058" y="339"/>
-                </a:lnTo>
-                <a:lnTo>
-                  <a:pt x="140311" y="68"/>
-                </a:lnTo>
-                <a:lnTo>
-                  <a:pt x="139904" y="0"/>
-                </a:lnTo>
-                <a:close/>
-                <a:moveTo>
-                  <a:pt x="55324" y="95713"/>
-                </a:moveTo>
-                <a:lnTo>
-                  <a:pt x="55052" y="98971"/>
-                </a:lnTo>
-                <a:lnTo>
-                  <a:pt x="54713" y="102297"/>
-                </a:lnTo>
-                <a:lnTo>
-                  <a:pt x="54374" y="105284"/>
-                </a:lnTo>
-                <a:lnTo>
-                  <a:pt x="53966" y="107388"/>
-                </a:lnTo>
-                <a:lnTo>
-                  <a:pt x="53763" y="108203"/>
-                </a:lnTo>
-                <a:lnTo>
-                  <a:pt x="53627" y="108746"/>
-                </a:lnTo>
-                <a:lnTo>
-                  <a:pt x="53423" y="109153"/>
-                </a:lnTo>
-                <a:lnTo>
-                  <a:pt x="53220" y="109357"/>
-                </a:lnTo>
-                <a:lnTo>
-                  <a:pt x="52677" y="109493"/>
-                </a:lnTo>
-                <a:lnTo>
-                  <a:pt x="51794" y="109696"/>
-                </a:lnTo>
-                <a:lnTo>
-                  <a:pt x="49690" y="110036"/>
-                </a:lnTo>
-                <a:lnTo>
-                  <a:pt x="48061" y="110307"/>
-                </a:lnTo>
-                <a:lnTo>
-                  <a:pt x="47450" y="110443"/>
-                </a:lnTo>
-                <a:lnTo>
-                  <a:pt x="47110" y="110511"/>
-                </a:lnTo>
-                <a:lnTo>
-                  <a:pt x="47042" y="110579"/>
-                </a:lnTo>
-                <a:lnTo>
-                  <a:pt x="47042" y="110783"/>
-                </a:lnTo>
-                <a:lnTo>
-                  <a:pt x="47110" y="110850"/>
-                </a:lnTo>
-                <a:lnTo>
-                  <a:pt x="47585" y="110918"/>
-                </a:lnTo>
-                <a:lnTo>
-                  <a:pt x="48400" y="110986"/>
-                </a:lnTo>
-                <a:lnTo>
-                  <a:pt x="51387" y="111054"/>
-                </a:lnTo>
-                <a:lnTo>
-                  <a:pt x="56071" y="111122"/>
-                </a:lnTo>
-                <a:lnTo>
-                  <a:pt x="87092" y="111122"/>
-                </a:lnTo>
-                <a:lnTo>
-                  <a:pt x="91708" y="111054"/>
-                </a:lnTo>
-                <a:lnTo>
-                  <a:pt x="94695" y="110986"/>
-                </a:lnTo>
-                <a:lnTo>
-                  <a:pt x="95578" y="110918"/>
-                </a:lnTo>
-                <a:lnTo>
-                  <a:pt x="96053" y="110850"/>
-                </a:lnTo>
-                <a:lnTo>
-                  <a:pt x="96121" y="110783"/>
-                </a:lnTo>
-                <a:lnTo>
-                  <a:pt x="96121" y="110579"/>
-                </a:lnTo>
-                <a:lnTo>
-                  <a:pt x="96053" y="110511"/>
-                </a:lnTo>
-                <a:lnTo>
-                  <a:pt x="95713" y="110443"/>
-                </a:lnTo>
-                <a:lnTo>
-                  <a:pt x="95102" y="110307"/>
-                </a:lnTo>
-                <a:lnTo>
-                  <a:pt x="93473" y="110036"/>
-                </a:lnTo>
-                <a:lnTo>
-                  <a:pt x="91369" y="109696"/>
-                </a:lnTo>
-                <a:lnTo>
-                  <a:pt x="90487" y="109493"/>
-                </a:lnTo>
-                <a:lnTo>
-                  <a:pt x="89943" y="109357"/>
-                </a:lnTo>
-                <a:lnTo>
-                  <a:pt x="89740" y="109153"/>
-                </a:lnTo>
-                <a:lnTo>
-                  <a:pt x="89536" y="108746"/>
-                </a:lnTo>
-                <a:lnTo>
-                  <a:pt x="89333" y="108203"/>
-                </a:lnTo>
-                <a:lnTo>
-                  <a:pt x="89197" y="107388"/>
-                </a:lnTo>
-                <a:lnTo>
-                  <a:pt x="88789" y="105284"/>
-                </a:lnTo>
-                <a:lnTo>
-                  <a:pt x="88382" y="102297"/>
-                </a:lnTo>
-                <a:lnTo>
-                  <a:pt x="88043" y="98971"/>
-                </a:lnTo>
-                <a:lnTo>
-                  <a:pt x="87839" y="95713"/>
-                </a:lnTo>
-                <a:close/>
-                <a:moveTo>
-                  <a:pt x="47450" y="111054"/>
-                </a:moveTo>
-                <a:lnTo>
-                  <a:pt x="47450" y="111122"/>
-                </a:lnTo>
-                <a:lnTo>
-                  <a:pt x="47450" y="111393"/>
-                </a:lnTo>
-                <a:lnTo>
-                  <a:pt x="47518" y="111461"/>
-                </a:lnTo>
-                <a:lnTo>
-                  <a:pt x="48807" y="111529"/>
-                </a:lnTo>
-                <a:lnTo>
-                  <a:pt x="52473" y="111597"/>
-                </a:lnTo>
-                <a:lnTo>
-                  <a:pt x="62384" y="111665"/>
-                </a:lnTo>
-                <a:lnTo>
-                  <a:pt x="80779" y="111665"/>
-                </a:lnTo>
-                <a:lnTo>
-                  <a:pt x="90622" y="111597"/>
-                </a:lnTo>
-                <a:lnTo>
-                  <a:pt x="94356" y="111529"/>
-                </a:lnTo>
-                <a:lnTo>
-                  <a:pt x="95646" y="111461"/>
-                </a:lnTo>
-                <a:lnTo>
-                  <a:pt x="95713" y="111393"/>
-                </a:lnTo>
-                <a:lnTo>
-                  <a:pt x="95713" y="111122"/>
-                </a:lnTo>
-                <a:lnTo>
-                  <a:pt x="95646" y="111054"/>
-                </a:lnTo>
-                <a:lnTo>
-                  <a:pt x="94084" y="111122"/>
-                </a:lnTo>
-                <a:lnTo>
-                  <a:pt x="91233" y="111190"/>
-                </a:lnTo>
-                <a:lnTo>
-                  <a:pt x="80847" y="111258"/>
-                </a:lnTo>
-                <a:lnTo>
-                  <a:pt x="62316" y="111258"/>
-                </a:lnTo>
-                <a:lnTo>
-                  <a:pt x="51930" y="111190"/>
-                </a:lnTo>
-                <a:lnTo>
-                  <a:pt x="49079" y="111122"/>
-                </a:lnTo>
-                <a:lnTo>
-                  <a:pt x="47518" y="111054"/>
-                </a:lnTo>
-                <a:close/>
-              </a:path>
-            </a:pathLst>
-          </a:custGeom>
-          <a:noFill/>
-          <a:ln w="9525" cap="flat" cmpd="sng">
-            <a:solidFill>
-              <a:srgbClr val="6699FF"/>
-            </a:solidFill>
-            <a:prstDash val="solid"/>
-            <a:round/>
-            <a:headEnd type="none" w="sm" len="sm"/>
-            <a:tailEnd type="none" w="sm" len="sm"/>
-          </a:ln>
-        </p:spPr>
-        <p:txBody>
-          <a:bodyPr spcFirstLastPara="1" wrap="square" lIns="91425" tIns="91425" rIns="91425" bIns="91425" anchor="ctr" anchorCtr="0">
-            <a:noAutofit/>
-          </a:bodyPr>
-          <a:lstStyle/>
-          <a:p>
-            <a:pPr marL="0" lvl="0" indent="0">
-              <a:spcBef>
-                <a:spcPts val="0"/>
-              </a:spcBef>
-              <a:spcAft>
-                <a:spcPts val="0"/>
-              </a:spcAft>
-              <a:buNone/>
-            </a:pPr>
-            <a:endParaRPr/>
-          </a:p>
-        </p:txBody>
-      </p:sp>
-      <p:sp>
-        <p:nvSpPr>
-          <p:cNvPr id="396" name="Google Shape;396;p37"/>
-          <p:cNvSpPr/>
-          <p:nvPr/>
-        </p:nvSpPr>
-        <p:spPr>
-          <a:xfrm>
-            <a:off x="3269080" y="1086811"/>
-            <a:ext cx="4212000" cy="2689500"/>
-          </a:xfrm>
-          <a:prstGeom prst="rect">
-            <a:avLst/>
-          </a:prstGeom>
-          <a:solidFill>
-            <a:srgbClr val="FFFFFF">
-              <a:alpha val="14229"/>
-            </a:srgbClr>
-          </a:solidFill>
-          <a:ln>
-            <a:noFill/>
-          </a:ln>
-        </p:spPr>
-        <p:txBody>
-          <a:bodyPr spcFirstLastPara="1" wrap="square" lIns="91425" tIns="91425" rIns="91425" bIns="91425" anchor="ctr" anchorCtr="0">
-            <a:noAutofit/>
-          </a:bodyPr>
-          <a:lstStyle/>
-          <a:p>
-            <a:pPr marL="0" lvl="0" indent="0" algn="ctr" rtl="0">
-              <a:spcBef>
-                <a:spcPts val="0"/>
-              </a:spcBef>
-              <a:spcAft>
-                <a:spcPts val="0"/>
-              </a:spcAft>
-              <a:buNone/>
-            </a:pPr>
-            <a:endParaRPr sz="1000" dirty="0">
-              <a:solidFill>
-                <a:srgbClr val="FFFFFF"/>
-              </a:solidFill>
-              <a:latin typeface="Hind"/>
-              <a:ea typeface="Hind"/>
-              <a:cs typeface="Hind"/>
-              <a:sym typeface="Hind"/>
-            </a:endParaRPr>
-          </a:p>
-        </p:txBody>
-      </p:sp>
-      <p:sp>
-        <p:nvSpPr>
-          <p:cNvPr id="397" name="Google Shape;397;p37"/>
+          <p:cNvPr id="231" name="Google Shape;231;p20"/>
           <p:cNvSpPr txBox="1">
             <a:spLocks noGrp="1"/>
           </p:cNvSpPr>
           <p:nvPr>
-            <p:ph type="body" idx="4294967295"/>
+            <p:ph type="title"/>
           </p:nvPr>
         </p:nvSpPr>
         <p:spPr>
           <a:xfrm>
-            <a:off x="563539" y="1293018"/>
-            <a:ext cx="2447400" cy="1539300"/>
+            <a:off x="1067088" y="301752"/>
+            <a:ext cx="5972100" cy="636000"/>
           </a:xfrm>
           <a:prstGeom prst="rect">
             <a:avLst/>
@@ -10556,118 +10031,66 @@
           </a:bodyPr>
           <a:lstStyle/>
           <a:p>
-            <a:pPr marL="0" lvl="0" indent="0" rtl="0">
-              <a:spcBef>
-                <a:spcPts val="600"/>
-              </a:spcBef>
-              <a:spcAft>
-                <a:spcPts val="0"/>
-              </a:spcAft>
-              <a:buNone/>
-            </a:pPr>
-            <a:r>
-              <a:rPr lang="en" sz="1200" b="1" dirty="0" smtClean="0">
-                <a:solidFill>
-                  <a:srgbClr val="6699FF"/>
-                </a:solidFill>
-              </a:rPr>
-              <a:t>  </a:t>
-            </a:r>
-            <a:r>
-              <a:rPr lang="en" sz="1200" b="1" dirty="0" smtClean="0">
-                <a:solidFill>
-                  <a:srgbClr val="FF0066"/>
-                </a:solidFill>
-              </a:rPr>
-              <a:t>ONION</a:t>
-            </a:r>
-            <a:r>
-              <a:rPr lang="en" sz="1200" b="1" dirty="0" smtClean="0"/>
-              <a:t> CORE LAYERS</a:t>
-            </a:r>
-            <a:endParaRPr sz="1200" b="1" dirty="0" smtClean="0"/>
-          </a:p>
-          <a:p>
-            <a:pPr marL="76200" indent="0">
-              <a:buNone/>
-            </a:pPr>
-            <a:r>
-              <a:rPr lang="en-US" sz="1000" dirty="0" smtClean="0"/>
-              <a:t>Domain</a:t>
-            </a:r>
-            <a:endParaRPr lang="en-US" sz="1000" dirty="0"/>
-          </a:p>
-          <a:p>
-            <a:pPr marL="76200" indent="0">
-              <a:buNone/>
-            </a:pPr>
-            <a:r>
-              <a:rPr lang="en-US" sz="1000" dirty="0" smtClean="0"/>
-              <a:t>Service</a:t>
-            </a:r>
-          </a:p>
-          <a:p>
-            <a:pPr marL="76200" indent="0">
-              <a:buNone/>
-            </a:pPr>
-            <a:r>
-              <a:rPr lang="en-US" sz="1200" b="1" dirty="0" smtClean="0">
-                <a:solidFill>
-                  <a:srgbClr val="33CCCC"/>
-                </a:solidFill>
-              </a:rPr>
-              <a:t>ONION</a:t>
-            </a:r>
-            <a:r>
-              <a:rPr lang="en-US" sz="1200" b="1" dirty="0" smtClean="0">
-                <a:solidFill>
-                  <a:srgbClr val="6699FF"/>
-                </a:solidFill>
-              </a:rPr>
-              <a:t> </a:t>
-            </a:r>
-            <a:r>
-              <a:rPr lang="en-US" sz="1200" b="1" dirty="0" smtClean="0"/>
-              <a:t>NOT CORE </a:t>
-            </a:r>
-            <a:r>
-              <a:rPr lang="en-US" sz="1200" b="1" dirty="0"/>
-              <a:t>LAYERS</a:t>
-            </a:r>
-          </a:p>
-          <a:p>
-            <a:pPr marL="76200" indent="0">
-              <a:buNone/>
-            </a:pPr>
-            <a:r>
-              <a:rPr lang="en-US" sz="1000" dirty="0" smtClean="0"/>
-              <a:t>Infrastructure</a:t>
-            </a:r>
-          </a:p>
-          <a:p>
-            <a:pPr marL="76200" indent="0">
-              <a:buNone/>
-            </a:pPr>
-            <a:r>
-              <a:rPr lang="en-US" sz="1000" dirty="0" smtClean="0"/>
-              <a:t>User Interface</a:t>
-            </a:r>
-          </a:p>
-          <a:p>
-            <a:pPr marL="76200" indent="0">
-              <a:buNone/>
-            </a:pPr>
-            <a:r>
-              <a:rPr lang="en-US" sz="1000" dirty="0" smtClean="0"/>
-              <a:t>Tests </a:t>
-            </a:r>
-            <a:endParaRPr lang="en-US" sz="1000" dirty="0"/>
+            <a:pPr lvl="0"/>
+            <a:r>
+              <a:rPr lang="en-US" dirty="0" smtClean="0"/>
+              <a:t>What is Event Sourcing</a:t>
+            </a:r>
+            <a:endParaRPr dirty="0"/>
           </a:p>
         </p:txBody>
       </p:sp>
       <p:sp>
         <p:nvSpPr>
-          <p:cNvPr id="398" name="Google Shape;398;p37"/>
+          <p:cNvPr id="232" name="Google Shape;232;p20"/>
+          <p:cNvSpPr txBox="1">
+            <a:spLocks noGrp="1"/>
+          </p:cNvSpPr>
+          <p:nvPr>
+            <p:ph type="body" idx="1"/>
+          </p:nvPr>
+        </p:nvSpPr>
+        <p:spPr>
+          <a:xfrm>
+            <a:off x="1067088" y="1032842"/>
+            <a:ext cx="6354438" cy="2764500"/>
+          </a:xfrm>
+          <a:prstGeom prst="rect">
+            <a:avLst/>
+          </a:prstGeom>
+        </p:spPr>
+        <p:txBody>
+          <a:bodyPr spcFirstLastPara="1" wrap="square" lIns="91425" tIns="91425" rIns="91425" bIns="91425" anchor="t" anchorCtr="0">
+            <a:noAutofit/>
+          </a:bodyPr>
+          <a:lstStyle/>
+          <a:p>
+            <a:pPr marL="76200" indent="0">
+              <a:buNone/>
+            </a:pPr>
+            <a:r>
+              <a:rPr lang="en-US" sz="1800" i="1" dirty="0"/>
+              <a:t>Storing all the changes (events) to the system, rather than just its current state</a:t>
+            </a:r>
+            <a:r>
+              <a:rPr lang="en-US" sz="1800" i="1" dirty="0" smtClean="0"/>
+              <a:t>.</a:t>
+            </a:r>
+            <a:r>
+              <a:rPr lang="en-US" dirty="0"/>
+              <a:t> </a:t>
+            </a:r>
+            <a:r>
+              <a:rPr lang="en-US" sz="1800" i="1" dirty="0"/>
+              <a:t>Almost all transactional RDBMS systems use a transactional log for storing all changes applied to the database. In a pinch, the current state of the database can be recreated from this transaction log. This is a kind of event store. Event sourcing just means following this idea to its conclusion and using such a log as the primary source of data.</a:t>
+            </a:r>
+            <a:endParaRPr sz="1800" i="1" dirty="0"/>
+          </a:p>
+        </p:txBody>
+      </p:sp>
+      <p:sp>
+        <p:nvSpPr>
+          <p:cNvPr id="233" name="Google Shape;233;p20"/>
           <p:cNvSpPr txBox="1">
             <a:spLocks noGrp="1"/>
           </p:cNvSpPr>
@@ -10707,40 +10130,10 @@
           </a:p>
         </p:txBody>
       </p:sp>
-      <p:pic>
-        <p:nvPicPr>
-          <p:cNvPr id="3" name="Picture 2"/>
-          <p:cNvPicPr>
-            <a:picLocks noChangeAspect="1"/>
-          </p:cNvPicPr>
-          <p:nvPr/>
-        </p:nvPicPr>
-        <p:blipFill>
-          <a:blip r:embed="rId3">
-            <a:extLst>
-              <a:ext uri="{28A0092B-C50C-407E-A947-70E740481C1C}">
-                <a14:useLocalDpi xmlns:a14="http://schemas.microsoft.com/office/drawing/2010/main" val="0"/>
-              </a:ext>
-            </a:extLst>
-          </a:blip>
-          <a:stretch>
-            <a:fillRect/>
-          </a:stretch>
-        </p:blipFill>
-        <p:spPr>
-          <a:xfrm>
-            <a:off x="3492164" y="1086811"/>
-            <a:ext cx="3865568" cy="2658240"/>
-          </a:xfrm>
-          <a:prstGeom prst="rect">
-            <a:avLst/>
-          </a:prstGeom>
-        </p:spPr>
-      </p:pic>
     </p:spTree>
     <p:extLst>
       <p:ext uri="{BB962C8B-B14F-4D97-AF65-F5344CB8AC3E}">
-        <p14:creationId xmlns:p14="http://schemas.microsoft.com/office/powerpoint/2010/main" val="1209981013"/>
+        <p14:creationId xmlns:p14="http://schemas.microsoft.com/office/powerpoint/2010/main" val="754371296"/>
       </p:ext>
     </p:extLst>
   </p:cSld>
@@ -10780,7 +10173,7 @@
         <p:spPr>
           <a:xfrm>
             <a:off x="1067088" y="301752"/>
-            <a:ext cx="6126192" cy="636000"/>
+            <a:ext cx="5972100" cy="636000"/>
           </a:xfrm>
           <a:prstGeom prst="rect">
             <a:avLst/>
@@ -10795,8 +10188,274 @@
             <a:pPr lvl="0"/>
             <a:r>
               <a:rPr lang="en-US" dirty="0" smtClean="0"/>
-              <a:t>Onion Architecture Dependencies</a:t>
-            </a:r>
+              <a:t>When to use Event Sourcing</a:t>
+            </a:r>
+            <a:endParaRPr dirty="0"/>
+          </a:p>
+        </p:txBody>
+      </p:sp>
+      <p:sp>
+        <p:nvSpPr>
+          <p:cNvPr id="232" name="Google Shape;232;p20"/>
+          <p:cNvSpPr txBox="1">
+            <a:spLocks noGrp="1"/>
+          </p:cNvSpPr>
+          <p:nvPr>
+            <p:ph type="body" idx="1"/>
+          </p:nvPr>
+        </p:nvSpPr>
+        <p:spPr>
+          <a:xfrm>
+            <a:off x="1067088" y="1032842"/>
+            <a:ext cx="6354438" cy="2764500"/>
+          </a:xfrm>
+          <a:prstGeom prst="rect">
+            <a:avLst/>
+          </a:prstGeom>
+        </p:spPr>
+        <p:txBody>
+          <a:bodyPr spcFirstLastPara="1" wrap="square" lIns="91425" tIns="91425" rIns="91425" bIns="91425" anchor="t" anchorCtr="0">
+            <a:noAutofit/>
+          </a:bodyPr>
+          <a:lstStyle/>
+          <a:p>
+            <a:r>
+              <a:rPr lang="en-US" sz="1800" i="1" dirty="0" smtClean="0"/>
+              <a:t>When you need ability </a:t>
+            </a:r>
+            <a:r>
+              <a:rPr lang="en-US" sz="1800" i="1" dirty="0"/>
+              <a:t>to put the system in any prior </a:t>
+            </a:r>
+            <a:r>
+              <a:rPr lang="en-US" sz="1800" i="1" dirty="0" smtClean="0"/>
+              <a:t>state in past. </a:t>
+            </a:r>
+          </a:p>
+          <a:p>
+            <a:r>
+              <a:rPr lang="en-US" sz="1800" i="1" dirty="0"/>
+              <a:t>Having a true history of the system. Gives further benefits such as audit and traceability. In some fields this is required by law</a:t>
+            </a:r>
+            <a:r>
+              <a:rPr lang="en-US" sz="1800" i="1" dirty="0" smtClean="0"/>
+              <a:t>.</a:t>
+            </a:r>
+          </a:p>
+          <a:p>
+            <a:r>
+              <a:rPr lang="en-US" sz="1800" i="1" dirty="0"/>
+              <a:t>The kind of operations made on an event store is very limited, making the persistence very predictable and thus easing testing</a:t>
+            </a:r>
+            <a:endParaRPr sz="1800" i="1" dirty="0"/>
+          </a:p>
+        </p:txBody>
+      </p:sp>
+      <p:sp>
+        <p:nvSpPr>
+          <p:cNvPr id="233" name="Google Shape;233;p20"/>
+          <p:cNvSpPr txBox="1">
+            <a:spLocks noGrp="1"/>
+          </p:cNvSpPr>
+          <p:nvPr>
+            <p:ph type="sldNum" idx="12"/>
+          </p:nvPr>
+        </p:nvSpPr>
+        <p:spPr>
+          <a:xfrm>
+            <a:off x="8556775" y="4812625"/>
+            <a:ext cx="587100" cy="330900"/>
+          </a:xfrm>
+          <a:prstGeom prst="rect">
+            <a:avLst/>
+          </a:prstGeom>
+        </p:spPr>
+        <p:txBody>
+          <a:bodyPr spcFirstLastPara="1" wrap="square" lIns="91425" tIns="91425" rIns="91425" bIns="91425" anchor="t" anchorCtr="0">
+            <a:noAutofit/>
+          </a:bodyPr>
+          <a:lstStyle/>
+          <a:p>
+            <a:pPr marL="0" lvl="0" indent="0">
+              <a:spcBef>
+                <a:spcPts val="0"/>
+              </a:spcBef>
+              <a:spcAft>
+                <a:spcPts val="0"/>
+              </a:spcAft>
+              <a:buNone/>
+            </a:pPr>
+            <a:fld id="{00000000-1234-1234-1234-123412341234}" type="slidenum">
+              <a:rPr lang="en"/>
+              <a:t>6</a:t>
+            </a:fld>
+            <a:endParaRPr/>
+          </a:p>
+        </p:txBody>
+      </p:sp>
+    </p:spTree>
+    <p:extLst>
+      <p:ext uri="{BB962C8B-B14F-4D97-AF65-F5344CB8AC3E}">
+        <p14:creationId xmlns:p14="http://schemas.microsoft.com/office/powerpoint/2010/main" val="3290636169"/>
+      </p:ext>
+    </p:extLst>
+  </p:cSld>
+  <p:clrMapOvr>
+    <a:masterClrMapping/>
+  </p:clrMapOvr>
+</p:sld>
+</file>
+
+<file path=ppt/slides/slide7.xml><?xml version="1.0" encoding="utf-8"?>
+<p:sld xmlns:a="http://schemas.openxmlformats.org/drawingml/2006/main" xmlns:r="http://schemas.openxmlformats.org/officeDocument/2006/relationships" xmlns:p="http://schemas.openxmlformats.org/presentationml/2006/main">
+  <p:cSld>
+    <p:spTree>
+      <p:nvGrpSpPr>
+        <p:cNvPr id="1" name="Shape 230"/>
+        <p:cNvGrpSpPr/>
+        <p:nvPr/>
+      </p:nvGrpSpPr>
+      <p:grpSpPr>
+        <a:xfrm>
+          <a:off x="0" y="0"/>
+          <a:ext cx="0" cy="0"/>
+          <a:chOff x="0" y="0"/>
+          <a:chExt cx="0" cy="0"/>
+        </a:xfrm>
+      </p:grpSpPr>
+      <p:sp>
+        <p:nvSpPr>
+          <p:cNvPr id="231" name="Google Shape;231;p20"/>
+          <p:cNvSpPr txBox="1">
+            <a:spLocks noGrp="1"/>
+          </p:cNvSpPr>
+          <p:nvPr>
+            <p:ph type="title"/>
+          </p:nvPr>
+        </p:nvSpPr>
+        <p:spPr>
+          <a:xfrm>
+            <a:off x="1012900" y="301752"/>
+            <a:ext cx="6275206" cy="636000"/>
+          </a:xfrm>
+          <a:prstGeom prst="rect">
+            <a:avLst/>
+          </a:prstGeom>
+        </p:spPr>
+        <p:txBody>
+          <a:bodyPr spcFirstLastPara="1" wrap="square" lIns="91425" tIns="91425" rIns="91425" bIns="91425" anchor="b" anchorCtr="0">
+            <a:noAutofit/>
+          </a:bodyPr>
+          <a:lstStyle/>
+          <a:p>
+            <a:pPr algn="ctr"/>
+            <a:r>
+              <a:rPr lang="en-US" dirty="0"/>
+              <a:t>CQRS combined with the </a:t>
+            </a:r>
+            <a:r>
+              <a:rPr lang="en-US" dirty="0" smtClean="0"/>
+              <a:t>ES</a:t>
+            </a:r>
+            <a:endParaRPr dirty="0"/>
+          </a:p>
+        </p:txBody>
+      </p:sp>
+      <p:sp>
+        <p:nvSpPr>
+          <p:cNvPr id="232" name="Google Shape;232;p20"/>
+          <p:cNvSpPr txBox="1">
+            <a:spLocks noGrp="1"/>
+          </p:cNvSpPr>
+          <p:nvPr>
+            <p:ph type="body" idx="1"/>
+          </p:nvPr>
+        </p:nvSpPr>
+        <p:spPr>
+          <a:xfrm>
+            <a:off x="1067088" y="1032842"/>
+            <a:ext cx="6354438" cy="2764500"/>
+          </a:xfrm>
+          <a:prstGeom prst="rect">
+            <a:avLst/>
+          </a:prstGeom>
+        </p:spPr>
+        <p:txBody>
+          <a:bodyPr spcFirstLastPara="1" wrap="square" lIns="91425" tIns="91425" rIns="91425" bIns="91425" anchor="t" anchorCtr="0">
+            <a:noAutofit/>
+          </a:bodyPr>
+          <a:lstStyle/>
+          <a:p>
+            <a:r>
+              <a:rPr lang="en-US" sz="1800" i="1" dirty="0" smtClean="0"/>
+              <a:t>For </a:t>
+            </a:r>
+            <a:r>
+              <a:rPr lang="en-US" sz="1800" i="1" dirty="0"/>
+              <a:t>most of the use cases, CQRS is required when we implement Event Sourcing because we may want to retrieve </a:t>
+            </a:r>
+            <a:r>
+              <a:rPr lang="en-US" sz="1800" i="1" dirty="0" smtClean="0"/>
+              <a:t>last state of entity without </a:t>
+            </a:r>
+            <a:r>
+              <a:rPr lang="en-US" sz="1800" i="1" dirty="0"/>
+              <a:t>having to compute n different events</a:t>
+            </a:r>
+            <a:endParaRPr lang="en-US" sz="1800" i="1" dirty="0" smtClean="0"/>
+          </a:p>
+          <a:p>
+            <a:r>
+              <a:rPr lang="en-US" sz="1800" i="1" dirty="0" smtClean="0"/>
+              <a:t>There </a:t>
+            </a:r>
+            <a:r>
+              <a:rPr lang="en-US" sz="1800" i="1" dirty="0"/>
+              <a:t>will be some delay between the event being generated and the data store being </a:t>
+            </a:r>
+            <a:r>
+              <a:rPr lang="en-US" sz="1800" i="1" dirty="0" smtClean="0"/>
+              <a:t>updated, because of read/write separation.</a:t>
+            </a:r>
+          </a:p>
+          <a:p>
+            <a:r>
+              <a:rPr lang="en-US" sz="1800" i="1" dirty="0" smtClean="0"/>
+              <a:t>Patterns </a:t>
+            </a:r>
+            <a:r>
+              <a:rPr lang="en-US" sz="1800" i="1" dirty="0"/>
+              <a:t>adds complexity because code must be created to initiate and handle </a:t>
+            </a:r>
+            <a:r>
+              <a:rPr lang="en-US" sz="1800" i="1" dirty="0" smtClean="0"/>
+              <a:t>events</a:t>
+            </a:r>
+            <a:r>
+              <a:rPr lang="en-US" sz="1600" dirty="0" smtClean="0"/>
+              <a:t>, also update read models.</a:t>
+            </a:r>
+            <a:endParaRPr lang="en-US" sz="1600" dirty="0"/>
+          </a:p>
+          <a:p>
+            <a:pPr marL="76200" lvl="0" indent="0">
+              <a:spcBef>
+                <a:spcPts val="0"/>
+              </a:spcBef>
+              <a:buNone/>
+            </a:pPr>
+            <a:endParaRPr sz="1800" i="1" dirty="0"/>
+          </a:p>
+          <a:p>
+            <a:pPr marL="0" lvl="0" indent="0" rtl="0">
+              <a:spcBef>
+                <a:spcPts val="600"/>
+              </a:spcBef>
+              <a:spcAft>
+                <a:spcPts val="0"/>
+              </a:spcAft>
+              <a:buNone/>
+            </a:pPr>
             <a:endParaRPr dirty="0"/>
           </a:p>
         </p:txBody>
@@ -10837,65 +10496,16 @@
             </a:pPr>
             <a:fld id="{00000000-1234-1234-1234-123412341234}" type="slidenum">
               <a:rPr lang="en"/>
-              <a:t>6</a:t>
+              <a:t>7</a:t>
             </a:fld>
             <a:endParaRPr/>
           </a:p>
         </p:txBody>
       </p:sp>
-      <p:sp>
-        <p:nvSpPr>
-          <p:cNvPr id="2" name="Text Placeholder 1"/>
-          <p:cNvSpPr>
-            <a:spLocks noGrp="1"/>
-          </p:cNvSpPr>
-          <p:nvPr>
-            <p:ph type="body" idx="1"/>
-          </p:nvPr>
-        </p:nvSpPr>
-        <p:spPr/>
-        <p:txBody>
-          <a:bodyPr/>
-          <a:lstStyle/>
-          <a:p>
-            <a:endParaRPr lang="en-US"/>
-          </a:p>
-        </p:txBody>
-      </p:sp>
-      <p:pic>
-        <p:nvPicPr>
-          <p:cNvPr id="6" name="Picture 5"/>
-          <p:cNvPicPr>
-            <a:picLocks noChangeAspect="1"/>
-          </p:cNvPicPr>
-          <p:nvPr/>
-        </p:nvPicPr>
-        <p:blipFill>
-          <a:blip r:embed="rId3">
-            <a:extLst>
-              <a:ext uri="{28A0092B-C50C-407E-A947-70E740481C1C}">
-                <a14:useLocalDpi xmlns:a14="http://schemas.microsoft.com/office/drawing/2010/main" val="0"/>
-              </a:ext>
-            </a:extLst>
-          </a:blip>
-          <a:stretch>
-            <a:fillRect/>
-          </a:stretch>
-        </p:blipFill>
-        <p:spPr>
-          <a:xfrm>
-            <a:off x="1067088" y="1221894"/>
-            <a:ext cx="5972100" cy="3193153"/>
-          </a:xfrm>
-          <a:prstGeom prst="rect">
-            <a:avLst/>
-          </a:prstGeom>
-        </p:spPr>
-      </p:pic>
     </p:spTree>
     <p:extLst>
       <p:ext uri="{BB962C8B-B14F-4D97-AF65-F5344CB8AC3E}">
-        <p14:creationId xmlns:p14="http://schemas.microsoft.com/office/powerpoint/2010/main" val="245095301"/>
+        <p14:creationId xmlns:p14="http://schemas.microsoft.com/office/powerpoint/2010/main" val="2667426634"/>
       </p:ext>
     </p:extLst>
   </p:cSld>
@@ -10905,7 +10515,284 @@
 </p:sld>
 </file>
 
-<file path=ppt/slides/slide7.xml><?xml version="1.0" encoding="utf-8"?>
+<file path=ppt/slides/slide8.xml><?xml version="1.0" encoding="utf-8"?>
+<p:sld xmlns:a="http://schemas.openxmlformats.org/drawingml/2006/main" xmlns:r="http://schemas.openxmlformats.org/officeDocument/2006/relationships" xmlns:p="http://schemas.openxmlformats.org/presentationml/2006/main">
+  <p:cSld>
+    <p:spTree>
+      <p:nvGrpSpPr>
+        <p:cNvPr id="1" name="Shape 230"/>
+        <p:cNvGrpSpPr/>
+        <p:nvPr/>
+      </p:nvGrpSpPr>
+      <p:grpSpPr>
+        <a:xfrm>
+          <a:off x="0" y="0"/>
+          <a:ext cx="0" cy="0"/>
+          <a:chOff x="0" y="0"/>
+          <a:chExt cx="0" cy="0"/>
+        </a:xfrm>
+      </p:grpSpPr>
+      <p:sp>
+        <p:nvSpPr>
+          <p:cNvPr id="231" name="Google Shape;231;p20"/>
+          <p:cNvSpPr txBox="1">
+            <a:spLocks noGrp="1"/>
+          </p:cNvSpPr>
+          <p:nvPr>
+            <p:ph type="title"/>
+          </p:nvPr>
+        </p:nvSpPr>
+        <p:spPr>
+          <a:xfrm>
+            <a:off x="1012900" y="301752"/>
+            <a:ext cx="6275206" cy="636000"/>
+          </a:xfrm>
+          <a:prstGeom prst="rect">
+            <a:avLst/>
+          </a:prstGeom>
+        </p:spPr>
+        <p:txBody>
+          <a:bodyPr spcFirstLastPara="1" wrap="square" lIns="91425" tIns="91425" rIns="91425" bIns="91425" anchor="b" anchorCtr="0">
+            <a:noAutofit/>
+          </a:bodyPr>
+          <a:lstStyle/>
+          <a:p>
+            <a:pPr algn="ctr"/>
+            <a:r>
+              <a:rPr lang="en-US" dirty="0"/>
+              <a:t>Thesaurus</a:t>
+            </a:r>
+            <a:endParaRPr dirty="0"/>
+          </a:p>
+        </p:txBody>
+      </p:sp>
+      <p:sp>
+        <p:nvSpPr>
+          <p:cNvPr id="232" name="Google Shape;232;p20"/>
+          <p:cNvSpPr txBox="1">
+            <a:spLocks noGrp="1"/>
+          </p:cNvSpPr>
+          <p:nvPr>
+            <p:ph type="body" idx="1"/>
+          </p:nvPr>
+        </p:nvSpPr>
+        <p:spPr>
+          <a:xfrm>
+            <a:off x="1067088" y="1032842"/>
+            <a:ext cx="6354438" cy="2764500"/>
+          </a:xfrm>
+          <a:prstGeom prst="rect">
+            <a:avLst/>
+          </a:prstGeom>
+        </p:spPr>
+        <p:txBody>
+          <a:bodyPr spcFirstLastPara="1" wrap="square" lIns="91425" tIns="91425" rIns="91425" bIns="91425" anchor="t" anchorCtr="0">
+            <a:noAutofit/>
+          </a:bodyPr>
+          <a:lstStyle/>
+          <a:p>
+            <a:r>
+              <a:rPr lang="en-US" sz="1800" b="1" i="1" u="sng" dirty="0" smtClean="0"/>
+              <a:t>Command</a:t>
+            </a:r>
+            <a:r>
+              <a:rPr lang="en-US" sz="1800" i="1" dirty="0" smtClean="0"/>
+              <a:t> </a:t>
+            </a:r>
+            <a:r>
+              <a:rPr lang="en-US" sz="1800" i="1" dirty="0"/>
+              <a:t>represents an intention </a:t>
+            </a:r>
+            <a:r>
+              <a:rPr lang="en-US" sz="1800" i="1" dirty="0" smtClean="0"/>
+              <a:t>(modeled </a:t>
+            </a:r>
+            <a:r>
+              <a:rPr lang="en-US" sz="1800" i="1" dirty="0"/>
+              <a:t>with the present tense like </a:t>
+            </a:r>
+            <a:r>
+              <a:rPr lang="en-US" sz="1800" i="1" dirty="0" smtClean="0"/>
+              <a:t>Create</a:t>
+            </a:r>
+            <a:r>
+              <a:rPr lang="ru-RU" sz="1800" i="1" dirty="0" smtClean="0"/>
+              <a:t> </a:t>
+            </a:r>
+            <a:r>
+              <a:rPr lang="en-US" sz="1800" i="1" dirty="0" smtClean="0"/>
+              <a:t>Customer).</a:t>
+            </a:r>
+          </a:p>
+          <a:p>
+            <a:r>
+              <a:rPr lang="en-US" sz="1800" b="1" i="1" u="sng" dirty="0" smtClean="0"/>
+              <a:t>Event</a:t>
+            </a:r>
+            <a:r>
+              <a:rPr lang="en-US" sz="1800" b="1" i="1" dirty="0" smtClean="0"/>
+              <a:t> </a:t>
+            </a:r>
+            <a:r>
+              <a:rPr lang="en-US" sz="1800" i="1" dirty="0"/>
+              <a:t>represents a fact, something that already happened (modeled with the past tense like </a:t>
+            </a:r>
+            <a:r>
+              <a:rPr lang="en-US" sz="1800" i="1" dirty="0" smtClean="0"/>
+              <a:t>Customer</a:t>
+            </a:r>
+            <a:r>
+              <a:rPr lang="ru-RU" sz="1800" i="1" dirty="0" smtClean="0"/>
+              <a:t> </a:t>
+            </a:r>
+            <a:r>
+              <a:rPr lang="en-US" sz="1800" i="1" dirty="0" smtClean="0"/>
+              <a:t>Updated</a:t>
+            </a:r>
+            <a:r>
+              <a:rPr lang="en-US" sz="1800" i="1" dirty="0"/>
+              <a:t>).</a:t>
+            </a:r>
+            <a:endParaRPr lang="en-US" sz="1800" i="1" dirty="0" smtClean="0"/>
+          </a:p>
+          <a:p>
+            <a:r>
+              <a:rPr lang="en-US" sz="1800" b="1" i="1" u="sng" dirty="0" smtClean="0"/>
+              <a:t>Aggregate</a:t>
+            </a:r>
+            <a:r>
+              <a:rPr lang="en-US" sz="1800" i="1" dirty="0" smtClean="0"/>
+              <a:t> </a:t>
+            </a:r>
+            <a:r>
+              <a:rPr lang="en-US" dirty="0"/>
+              <a:t> </a:t>
+            </a:r>
+            <a:r>
+              <a:rPr lang="en-US" sz="1800" i="1" dirty="0"/>
+              <a:t>is a cluster of domain objects which are considered as one unit with regard to data </a:t>
+            </a:r>
+            <a:r>
+              <a:rPr lang="en-US" sz="1800" i="1" dirty="0" smtClean="0"/>
+              <a:t>changes.</a:t>
+            </a:r>
+          </a:p>
+          <a:p>
+            <a:r>
+              <a:rPr lang="en-US" sz="1800" b="1" i="1" u="sng" dirty="0" smtClean="0"/>
+              <a:t>Command Handler </a:t>
+            </a:r>
+            <a:r>
+              <a:rPr lang="en-US" sz="1800" i="1" dirty="0" smtClean="0"/>
+              <a:t>process business logic operations with aggregates. </a:t>
+            </a:r>
+          </a:p>
+          <a:p>
+            <a:r>
+              <a:rPr lang="en-US" sz="1800" b="1" i="1" u="sng" dirty="0" smtClean="0"/>
+              <a:t>Saga</a:t>
+            </a:r>
+            <a:r>
+              <a:rPr lang="en-US" sz="1800" b="1" i="1" dirty="0" smtClean="0"/>
+              <a:t> </a:t>
+            </a:r>
+            <a:r>
+              <a:rPr lang="en-US" sz="1800" i="1" dirty="0" smtClean="0"/>
+              <a:t>is </a:t>
+            </a:r>
+            <a:r>
+              <a:rPr lang="en-US" sz="1600" i="1" dirty="0" smtClean="0"/>
+              <a:t>an </a:t>
+            </a:r>
+            <a:r>
+              <a:rPr lang="en-US" sz="1600" i="1" dirty="0"/>
+              <a:t>independent component that reacts to domain events in a cross-aggregate, eventually consistent </a:t>
+            </a:r>
+            <a:r>
+              <a:rPr lang="en-US" sz="1600" i="1" dirty="0" smtClean="0"/>
+              <a:t>manner.</a:t>
+            </a:r>
+            <a:endParaRPr lang="en-US" sz="1600" i="1" dirty="0"/>
+          </a:p>
+          <a:p>
+            <a:pPr marL="76200" lvl="0" indent="0">
+              <a:spcBef>
+                <a:spcPts val="0"/>
+              </a:spcBef>
+              <a:buNone/>
+            </a:pPr>
+            <a:endParaRPr sz="1800" i="1" dirty="0"/>
+          </a:p>
+          <a:p>
+            <a:pPr marL="0" lvl="0" indent="0" rtl="0">
+              <a:spcBef>
+                <a:spcPts val="600"/>
+              </a:spcBef>
+              <a:spcAft>
+                <a:spcPts val="0"/>
+              </a:spcAft>
+              <a:buNone/>
+            </a:pPr>
+            <a:endParaRPr dirty="0"/>
+          </a:p>
+        </p:txBody>
+      </p:sp>
+      <p:sp>
+        <p:nvSpPr>
+          <p:cNvPr id="233" name="Google Shape;233;p20"/>
+          <p:cNvSpPr txBox="1">
+            <a:spLocks noGrp="1"/>
+          </p:cNvSpPr>
+          <p:nvPr>
+            <p:ph type="sldNum" idx="12"/>
+          </p:nvPr>
+        </p:nvSpPr>
+        <p:spPr>
+          <a:xfrm>
+            <a:off x="8556775" y="4812625"/>
+            <a:ext cx="587100" cy="330900"/>
+          </a:xfrm>
+          <a:prstGeom prst="rect">
+            <a:avLst/>
+          </a:prstGeom>
+        </p:spPr>
+        <p:txBody>
+          <a:bodyPr spcFirstLastPara="1" wrap="square" lIns="91425" tIns="91425" rIns="91425" bIns="91425" anchor="t" anchorCtr="0">
+            <a:noAutofit/>
+          </a:bodyPr>
+          <a:lstStyle/>
+          <a:p>
+            <a:pPr marL="0" lvl="0" indent="0">
+              <a:spcBef>
+                <a:spcPts val="0"/>
+              </a:spcBef>
+              <a:spcAft>
+                <a:spcPts val="0"/>
+              </a:spcAft>
+              <a:buNone/>
+            </a:pPr>
+            <a:fld id="{00000000-1234-1234-1234-123412341234}" type="slidenum">
+              <a:rPr lang="en"/>
+              <a:t>8</a:t>
+            </a:fld>
+            <a:endParaRPr/>
+          </a:p>
+        </p:txBody>
+      </p:sp>
+    </p:spTree>
+    <p:extLst>
+      <p:ext uri="{BB962C8B-B14F-4D97-AF65-F5344CB8AC3E}">
+        <p14:creationId xmlns:p14="http://schemas.microsoft.com/office/powerpoint/2010/main" val="1142043334"/>
+      </p:ext>
+    </p:extLst>
+  </p:cSld>
+  <p:clrMapOvr>
+    <a:masterClrMapping/>
+  </p:clrMapOvr>
+</p:sld>
+</file>
+
+<file path=ppt/slides/slide9.xml><?xml version="1.0" encoding="utf-8"?>
 <p:sld xmlns:a="http://schemas.openxmlformats.org/drawingml/2006/main" xmlns:r="http://schemas.openxmlformats.org/officeDocument/2006/relationships" xmlns:p="http://schemas.openxmlformats.org/presentationml/2006/main">
   <p:cSld>
     <p:spTree>
@@ -11716,926 +11603,19 @@
             </a:pPr>
             <a:r>
               <a:rPr lang="en-US" sz="1800" dirty="0"/>
-              <a:t>It is the center part of the architecture. It holds all application domain objects. If an application is developed with ORM entity framework then this layer holds POCO classes (Code First) or </a:t>
-            </a:r>
-            <a:r>
-              <a:rPr lang="en-US" sz="1800" dirty="0" err="1"/>
-              <a:t>Edmx</a:t>
-            </a:r>
-            <a:r>
-              <a:rPr lang="en-US" sz="1800" dirty="0"/>
-              <a:t> (Database First) with entities. </a:t>
-            </a:r>
-          </a:p>
-        </p:txBody>
-      </p:sp>
-      <p:sp>
-        <p:nvSpPr>
-          <p:cNvPr id="390" name="Google Shape;390;p36"/>
-          <p:cNvSpPr txBox="1">
-            <a:spLocks noGrp="1"/>
-          </p:cNvSpPr>
-          <p:nvPr>
-            <p:ph type="sldNum" idx="12"/>
-          </p:nvPr>
-        </p:nvSpPr>
-        <p:spPr>
-          <a:xfrm>
-            <a:off x="8556775" y="4812625"/>
-            <a:ext cx="587100" cy="330900"/>
-          </a:xfrm>
-          <a:prstGeom prst="rect">
-            <a:avLst/>
-          </a:prstGeom>
-        </p:spPr>
-        <p:txBody>
-          <a:bodyPr spcFirstLastPara="1" wrap="square" lIns="91425" tIns="91425" rIns="91425" bIns="91425" anchor="t" anchorCtr="0">
-            <a:noAutofit/>
-          </a:bodyPr>
-          <a:lstStyle/>
-          <a:p>
-            <a:pPr marL="0" lvl="0" indent="0">
-              <a:spcBef>
-                <a:spcPts val="0"/>
-              </a:spcBef>
-              <a:spcAft>
-                <a:spcPts val="0"/>
-              </a:spcAft>
-              <a:buNone/>
-            </a:pPr>
-            <a:fld id="{00000000-1234-1234-1234-123412341234}" type="slidenum">
-              <a:rPr lang="en"/>
-              <a:t>7</a:t>
-            </a:fld>
-            <a:endParaRPr/>
-          </a:p>
-        </p:txBody>
-      </p:sp>
-      <p:pic>
-        <p:nvPicPr>
-          <p:cNvPr id="3" name="Picture 2"/>
-          <p:cNvPicPr>
-            <a:picLocks noChangeAspect="1"/>
-          </p:cNvPicPr>
-          <p:nvPr/>
-        </p:nvPicPr>
-        <p:blipFill>
-          <a:blip r:embed="rId3">
-            <a:extLst>
-              <a:ext uri="{28A0092B-C50C-407E-A947-70E740481C1C}">
-                <a14:useLocalDpi xmlns:a14="http://schemas.microsoft.com/office/drawing/2010/main" val="0"/>
-              </a:ext>
-            </a:extLst>
-          </a:blip>
-          <a:stretch>
-            <a:fillRect/>
-          </a:stretch>
-        </p:blipFill>
-        <p:spPr>
-          <a:xfrm>
-            <a:off x="4787702" y="535613"/>
-            <a:ext cx="2879504" cy="4072345"/>
-          </a:xfrm>
-          <a:prstGeom prst="rect">
-            <a:avLst/>
-          </a:prstGeom>
-        </p:spPr>
-      </p:pic>
-    </p:spTree>
-    <p:extLst>
-      <p:ext uri="{BB962C8B-B14F-4D97-AF65-F5344CB8AC3E}">
-        <p14:creationId xmlns:p14="http://schemas.microsoft.com/office/powerpoint/2010/main" val="1000564589"/>
-      </p:ext>
-    </p:extLst>
-  </p:cSld>
-  <p:clrMapOvr>
-    <a:masterClrMapping/>
-  </p:clrMapOvr>
-</p:sld>
-</file>
-
-<file path=ppt/slides/slide8.xml><?xml version="1.0" encoding="utf-8"?>
-<p:sld xmlns:a="http://schemas.openxmlformats.org/drawingml/2006/main" xmlns:r="http://schemas.openxmlformats.org/officeDocument/2006/relationships" xmlns:p="http://schemas.openxmlformats.org/presentationml/2006/main">
-  <p:cSld>
-    <p:spTree>
-      <p:nvGrpSpPr>
-        <p:cNvPr id="1" name="Shape 386"/>
-        <p:cNvGrpSpPr/>
-        <p:nvPr/>
-      </p:nvGrpSpPr>
-      <p:grpSpPr>
-        <a:xfrm>
-          <a:off x="0" y="0"/>
-          <a:ext cx="0" cy="0"/>
-          <a:chOff x="0" y="0"/>
-          <a:chExt cx="0" cy="0"/>
-        </a:xfrm>
-      </p:grpSpPr>
-      <p:sp>
-        <p:nvSpPr>
-          <p:cNvPr id="387" name="Google Shape;387;p36"/>
-          <p:cNvSpPr/>
-          <p:nvPr/>
-        </p:nvSpPr>
-        <p:spPr>
-          <a:xfrm>
-            <a:off x="4787702" y="535613"/>
-            <a:ext cx="2879504" cy="4072345"/>
-          </a:xfrm>
-          <a:custGeom>
-            <a:avLst/>
-            <a:gdLst/>
-            <a:ahLst/>
-            <a:cxnLst/>
-            <a:rect l="l" t="t" r="r" b="b"/>
-            <a:pathLst>
-              <a:path w="60958" h="86210" extrusionOk="0">
-                <a:moveTo>
-                  <a:pt x="28985" y="3938"/>
-                </a:moveTo>
-                <a:lnTo>
-                  <a:pt x="29189" y="4006"/>
-                </a:lnTo>
-                <a:lnTo>
-                  <a:pt x="29189" y="4141"/>
-                </a:lnTo>
-                <a:lnTo>
-                  <a:pt x="29189" y="4277"/>
-                </a:lnTo>
-                <a:lnTo>
-                  <a:pt x="28985" y="4345"/>
-                </a:lnTo>
-                <a:lnTo>
-                  <a:pt x="28850" y="4277"/>
-                </a:lnTo>
-                <a:lnTo>
-                  <a:pt x="28782" y="4141"/>
-                </a:lnTo>
-                <a:lnTo>
-                  <a:pt x="28850" y="4006"/>
-                </a:lnTo>
-                <a:lnTo>
-                  <a:pt x="28985" y="3938"/>
-                </a:lnTo>
-                <a:close/>
-                <a:moveTo>
-                  <a:pt x="30479" y="3734"/>
-                </a:moveTo>
-                <a:lnTo>
-                  <a:pt x="30615" y="3802"/>
-                </a:lnTo>
-                <a:lnTo>
-                  <a:pt x="30750" y="3870"/>
-                </a:lnTo>
-                <a:lnTo>
-                  <a:pt x="30818" y="4006"/>
-                </a:lnTo>
-                <a:lnTo>
-                  <a:pt x="30818" y="4141"/>
-                </a:lnTo>
-                <a:lnTo>
-                  <a:pt x="30818" y="4277"/>
-                </a:lnTo>
-                <a:lnTo>
-                  <a:pt x="30750" y="4345"/>
-                </a:lnTo>
-                <a:lnTo>
-                  <a:pt x="30615" y="4481"/>
-                </a:lnTo>
-                <a:lnTo>
-                  <a:pt x="30343" y="4481"/>
-                </a:lnTo>
-                <a:lnTo>
-                  <a:pt x="30207" y="4345"/>
-                </a:lnTo>
-                <a:lnTo>
-                  <a:pt x="30139" y="4277"/>
-                </a:lnTo>
-                <a:lnTo>
-                  <a:pt x="30139" y="4141"/>
-                </a:lnTo>
-                <a:lnTo>
-                  <a:pt x="30139" y="4006"/>
-                </a:lnTo>
-                <a:lnTo>
-                  <a:pt x="30207" y="3870"/>
-                </a:lnTo>
-                <a:lnTo>
-                  <a:pt x="30343" y="3802"/>
-                </a:lnTo>
-                <a:lnTo>
-                  <a:pt x="30479" y="3734"/>
-                </a:lnTo>
-                <a:close/>
-                <a:moveTo>
-                  <a:pt x="56885" y="7943"/>
-                </a:moveTo>
-                <a:lnTo>
-                  <a:pt x="56885" y="78132"/>
-                </a:lnTo>
-                <a:lnTo>
-                  <a:pt x="56817" y="78200"/>
-                </a:lnTo>
-                <a:lnTo>
-                  <a:pt x="4209" y="78200"/>
-                </a:lnTo>
-                <a:lnTo>
-                  <a:pt x="4141" y="78132"/>
-                </a:lnTo>
-                <a:lnTo>
-                  <a:pt x="4141" y="7943"/>
-                </a:lnTo>
-                <a:close/>
-                <a:moveTo>
-                  <a:pt x="30479" y="80440"/>
-                </a:moveTo>
-                <a:lnTo>
-                  <a:pt x="30071" y="80508"/>
-                </a:lnTo>
-                <a:lnTo>
-                  <a:pt x="29732" y="80576"/>
-                </a:lnTo>
-                <a:lnTo>
-                  <a:pt x="29461" y="80779"/>
-                </a:lnTo>
-                <a:lnTo>
-                  <a:pt x="29189" y="80983"/>
-                </a:lnTo>
-                <a:lnTo>
-                  <a:pt x="28917" y="81255"/>
-                </a:lnTo>
-                <a:lnTo>
-                  <a:pt x="28782" y="81594"/>
-                </a:lnTo>
-                <a:lnTo>
-                  <a:pt x="28646" y="81933"/>
-                </a:lnTo>
-                <a:lnTo>
-                  <a:pt x="28646" y="82273"/>
-                </a:lnTo>
-                <a:lnTo>
-                  <a:pt x="28646" y="82341"/>
-                </a:lnTo>
-                <a:lnTo>
-                  <a:pt x="28646" y="82680"/>
-                </a:lnTo>
-                <a:lnTo>
-                  <a:pt x="28782" y="83020"/>
-                </a:lnTo>
-                <a:lnTo>
-                  <a:pt x="28985" y="83291"/>
-                </a:lnTo>
-                <a:lnTo>
-                  <a:pt x="29189" y="83563"/>
-                </a:lnTo>
-                <a:lnTo>
-                  <a:pt x="29461" y="83834"/>
-                </a:lnTo>
-                <a:lnTo>
-                  <a:pt x="29800" y="83970"/>
-                </a:lnTo>
-                <a:lnTo>
-                  <a:pt x="30139" y="84106"/>
-                </a:lnTo>
-                <a:lnTo>
-                  <a:pt x="30818" y="84106"/>
-                </a:lnTo>
-                <a:lnTo>
-                  <a:pt x="31158" y="83970"/>
-                </a:lnTo>
-                <a:lnTo>
-                  <a:pt x="31497" y="83766"/>
-                </a:lnTo>
-                <a:lnTo>
-                  <a:pt x="31768" y="83563"/>
-                </a:lnTo>
-                <a:lnTo>
-                  <a:pt x="31972" y="83291"/>
-                </a:lnTo>
-                <a:lnTo>
-                  <a:pt x="32176" y="83020"/>
-                </a:lnTo>
-                <a:lnTo>
-                  <a:pt x="32244" y="82612"/>
-                </a:lnTo>
-                <a:lnTo>
-                  <a:pt x="32312" y="82273"/>
-                </a:lnTo>
-                <a:lnTo>
-                  <a:pt x="32244" y="81933"/>
-                </a:lnTo>
-                <a:lnTo>
-                  <a:pt x="32176" y="81594"/>
-                </a:lnTo>
-                <a:lnTo>
-                  <a:pt x="31972" y="81255"/>
-                </a:lnTo>
-                <a:lnTo>
-                  <a:pt x="31768" y="80983"/>
-                </a:lnTo>
-                <a:lnTo>
-                  <a:pt x="31497" y="80779"/>
-                </a:lnTo>
-                <a:lnTo>
-                  <a:pt x="31158" y="80576"/>
-                </a:lnTo>
-                <a:lnTo>
-                  <a:pt x="30818" y="80508"/>
-                </a:lnTo>
-                <a:lnTo>
-                  <a:pt x="30479" y="80440"/>
-                </a:lnTo>
-                <a:close/>
-                <a:moveTo>
-                  <a:pt x="30886" y="80304"/>
-                </a:moveTo>
-                <a:lnTo>
-                  <a:pt x="31225" y="80440"/>
-                </a:lnTo>
-                <a:lnTo>
-                  <a:pt x="31565" y="80644"/>
-                </a:lnTo>
-                <a:lnTo>
-                  <a:pt x="31904" y="80847"/>
-                </a:lnTo>
-                <a:lnTo>
-                  <a:pt x="32108" y="81187"/>
-                </a:lnTo>
-                <a:lnTo>
-                  <a:pt x="32312" y="81526"/>
-                </a:lnTo>
-                <a:lnTo>
-                  <a:pt x="32447" y="81866"/>
-                </a:lnTo>
-                <a:lnTo>
-                  <a:pt x="32447" y="82273"/>
-                </a:lnTo>
-                <a:lnTo>
-                  <a:pt x="32447" y="82680"/>
-                </a:lnTo>
-                <a:lnTo>
-                  <a:pt x="32312" y="83020"/>
-                </a:lnTo>
-                <a:lnTo>
-                  <a:pt x="32108" y="83359"/>
-                </a:lnTo>
-                <a:lnTo>
-                  <a:pt x="31904" y="83698"/>
-                </a:lnTo>
-                <a:lnTo>
-                  <a:pt x="31565" y="83902"/>
-                </a:lnTo>
-                <a:lnTo>
-                  <a:pt x="31225" y="84106"/>
-                </a:lnTo>
-                <a:lnTo>
-                  <a:pt x="30886" y="84241"/>
-                </a:lnTo>
-                <a:lnTo>
-                  <a:pt x="30479" y="84309"/>
-                </a:lnTo>
-                <a:lnTo>
-                  <a:pt x="30071" y="84241"/>
-                </a:lnTo>
-                <a:lnTo>
-                  <a:pt x="29732" y="84106"/>
-                </a:lnTo>
-                <a:lnTo>
-                  <a:pt x="29393" y="83970"/>
-                </a:lnTo>
-                <a:lnTo>
-                  <a:pt x="29053" y="83698"/>
-                </a:lnTo>
-                <a:lnTo>
-                  <a:pt x="28850" y="83427"/>
-                </a:lnTo>
-                <a:lnTo>
-                  <a:pt x="28646" y="83087"/>
-                </a:lnTo>
-                <a:lnTo>
-                  <a:pt x="28510" y="82748"/>
-                </a:lnTo>
-                <a:lnTo>
-                  <a:pt x="28442" y="82341"/>
-                </a:lnTo>
-                <a:lnTo>
-                  <a:pt x="28442" y="82273"/>
-                </a:lnTo>
-                <a:lnTo>
-                  <a:pt x="28510" y="81866"/>
-                </a:lnTo>
-                <a:lnTo>
-                  <a:pt x="28646" y="81526"/>
-                </a:lnTo>
-                <a:lnTo>
-                  <a:pt x="28782" y="81187"/>
-                </a:lnTo>
-                <a:lnTo>
-                  <a:pt x="29053" y="80847"/>
-                </a:lnTo>
-                <a:lnTo>
-                  <a:pt x="29325" y="80644"/>
-                </a:lnTo>
-                <a:lnTo>
-                  <a:pt x="29664" y="80440"/>
-                </a:lnTo>
-                <a:lnTo>
-                  <a:pt x="30071" y="80304"/>
-                </a:lnTo>
-                <a:close/>
-                <a:moveTo>
-                  <a:pt x="3530" y="815"/>
-                </a:moveTo>
-                <a:lnTo>
-                  <a:pt x="2987" y="883"/>
-                </a:lnTo>
-                <a:lnTo>
-                  <a:pt x="2512" y="1019"/>
-                </a:lnTo>
-                <a:lnTo>
-                  <a:pt x="2036" y="1290"/>
-                </a:lnTo>
-                <a:lnTo>
-                  <a:pt x="1629" y="1630"/>
-                </a:lnTo>
-                <a:lnTo>
-                  <a:pt x="1290" y="2037"/>
-                </a:lnTo>
-                <a:lnTo>
-                  <a:pt x="1086" y="2512"/>
-                </a:lnTo>
-                <a:lnTo>
-                  <a:pt x="950" y="2987"/>
-                </a:lnTo>
-                <a:lnTo>
-                  <a:pt x="882" y="3530"/>
-                </a:lnTo>
-                <a:lnTo>
-                  <a:pt x="882" y="82612"/>
-                </a:lnTo>
-                <a:lnTo>
-                  <a:pt x="950" y="83155"/>
-                </a:lnTo>
-                <a:lnTo>
-                  <a:pt x="1086" y="83698"/>
-                </a:lnTo>
-                <a:lnTo>
-                  <a:pt x="1358" y="84174"/>
-                </a:lnTo>
-                <a:lnTo>
-                  <a:pt x="1765" y="84581"/>
-                </a:lnTo>
-                <a:lnTo>
-                  <a:pt x="2172" y="84852"/>
-                </a:lnTo>
-                <a:lnTo>
-                  <a:pt x="2715" y="85124"/>
-                </a:lnTo>
-                <a:lnTo>
-                  <a:pt x="3258" y="85260"/>
-                </a:lnTo>
-                <a:lnTo>
-                  <a:pt x="3869" y="85328"/>
-                </a:lnTo>
-                <a:lnTo>
-                  <a:pt x="57156" y="85328"/>
-                </a:lnTo>
-                <a:lnTo>
-                  <a:pt x="57767" y="85260"/>
-                </a:lnTo>
-                <a:lnTo>
-                  <a:pt x="58310" y="85124"/>
-                </a:lnTo>
-                <a:lnTo>
-                  <a:pt x="58785" y="84852"/>
-                </a:lnTo>
-                <a:lnTo>
-                  <a:pt x="59260" y="84513"/>
-                </a:lnTo>
-                <a:lnTo>
-                  <a:pt x="59600" y="84106"/>
-                </a:lnTo>
-                <a:lnTo>
-                  <a:pt x="59871" y="83631"/>
-                </a:lnTo>
-                <a:lnTo>
-                  <a:pt x="60075" y="83087"/>
-                </a:lnTo>
-                <a:lnTo>
-                  <a:pt x="60143" y="82477"/>
-                </a:lnTo>
-                <a:lnTo>
-                  <a:pt x="60143" y="3530"/>
-                </a:lnTo>
-                <a:lnTo>
-                  <a:pt x="60075" y="2987"/>
-                </a:lnTo>
-                <a:lnTo>
-                  <a:pt x="59939" y="2512"/>
-                </a:lnTo>
-                <a:lnTo>
-                  <a:pt x="59668" y="2037"/>
-                </a:lnTo>
-                <a:lnTo>
-                  <a:pt x="59328" y="1630"/>
-                </a:lnTo>
-                <a:lnTo>
-                  <a:pt x="58921" y="1290"/>
-                </a:lnTo>
-                <a:lnTo>
-                  <a:pt x="58446" y="1019"/>
-                </a:lnTo>
-                <a:lnTo>
-                  <a:pt x="57903" y="883"/>
-                </a:lnTo>
-                <a:lnTo>
-                  <a:pt x="57360" y="815"/>
-                </a:lnTo>
-                <a:close/>
-                <a:moveTo>
-                  <a:pt x="57971" y="679"/>
-                </a:moveTo>
-                <a:lnTo>
-                  <a:pt x="58514" y="883"/>
-                </a:lnTo>
-                <a:lnTo>
-                  <a:pt x="58989" y="1155"/>
-                </a:lnTo>
-                <a:lnTo>
-                  <a:pt x="59464" y="1494"/>
-                </a:lnTo>
-                <a:lnTo>
-                  <a:pt x="59804" y="1901"/>
-                </a:lnTo>
-                <a:lnTo>
-                  <a:pt x="60075" y="2444"/>
-                </a:lnTo>
-                <a:lnTo>
-                  <a:pt x="60211" y="2987"/>
-                </a:lnTo>
-                <a:lnTo>
-                  <a:pt x="60279" y="3530"/>
-                </a:lnTo>
-                <a:lnTo>
-                  <a:pt x="60279" y="82477"/>
-                </a:lnTo>
-                <a:lnTo>
-                  <a:pt x="60211" y="83087"/>
-                </a:lnTo>
-                <a:lnTo>
-                  <a:pt x="60075" y="83698"/>
-                </a:lnTo>
-                <a:lnTo>
-                  <a:pt x="59736" y="84174"/>
-                </a:lnTo>
-                <a:lnTo>
-                  <a:pt x="59396" y="84649"/>
-                </a:lnTo>
-                <a:lnTo>
-                  <a:pt x="58921" y="84988"/>
-                </a:lnTo>
-                <a:lnTo>
-                  <a:pt x="58378" y="85260"/>
-                </a:lnTo>
-                <a:lnTo>
-                  <a:pt x="57767" y="85463"/>
-                </a:lnTo>
-                <a:lnTo>
-                  <a:pt x="57156" y="85531"/>
-                </a:lnTo>
-                <a:lnTo>
-                  <a:pt x="3869" y="85531"/>
-                </a:lnTo>
-                <a:lnTo>
-                  <a:pt x="3190" y="85463"/>
-                </a:lnTo>
-                <a:lnTo>
-                  <a:pt x="2647" y="85260"/>
-                </a:lnTo>
-                <a:lnTo>
-                  <a:pt x="2104" y="84988"/>
-                </a:lnTo>
-                <a:lnTo>
-                  <a:pt x="1629" y="84649"/>
-                </a:lnTo>
-                <a:lnTo>
-                  <a:pt x="1222" y="84241"/>
-                </a:lnTo>
-                <a:lnTo>
-                  <a:pt x="950" y="83766"/>
-                </a:lnTo>
-                <a:lnTo>
-                  <a:pt x="747" y="83223"/>
-                </a:lnTo>
-                <a:lnTo>
-                  <a:pt x="679" y="82612"/>
-                </a:lnTo>
-                <a:lnTo>
-                  <a:pt x="679" y="3530"/>
-                </a:lnTo>
-                <a:lnTo>
-                  <a:pt x="747" y="2987"/>
-                </a:lnTo>
-                <a:lnTo>
-                  <a:pt x="950" y="2444"/>
-                </a:lnTo>
-                <a:lnTo>
-                  <a:pt x="1154" y="1901"/>
-                </a:lnTo>
-                <a:lnTo>
-                  <a:pt x="1561" y="1494"/>
-                </a:lnTo>
-                <a:lnTo>
-                  <a:pt x="1969" y="1155"/>
-                </a:lnTo>
-                <a:lnTo>
-                  <a:pt x="2444" y="883"/>
-                </a:lnTo>
-                <a:lnTo>
-                  <a:pt x="2987" y="679"/>
-                </a:lnTo>
-                <a:close/>
-                <a:moveTo>
-                  <a:pt x="3530" y="1"/>
-                </a:moveTo>
-                <a:lnTo>
-                  <a:pt x="2851" y="68"/>
-                </a:lnTo>
-                <a:lnTo>
-                  <a:pt x="2172" y="204"/>
-                </a:lnTo>
-                <a:lnTo>
-                  <a:pt x="1561" y="544"/>
-                </a:lnTo>
-                <a:lnTo>
-                  <a:pt x="1018" y="1019"/>
-                </a:lnTo>
-                <a:lnTo>
-                  <a:pt x="611" y="1562"/>
-                </a:lnTo>
-                <a:lnTo>
-                  <a:pt x="272" y="2173"/>
-                </a:lnTo>
-                <a:lnTo>
-                  <a:pt x="68" y="2852"/>
-                </a:lnTo>
-                <a:lnTo>
-                  <a:pt x="0" y="3530"/>
-                </a:lnTo>
-                <a:lnTo>
-                  <a:pt x="0" y="82612"/>
-                </a:lnTo>
-                <a:lnTo>
-                  <a:pt x="68" y="83359"/>
-                </a:lnTo>
-                <a:lnTo>
-                  <a:pt x="339" y="84038"/>
-                </a:lnTo>
-                <a:lnTo>
-                  <a:pt x="679" y="84649"/>
-                </a:lnTo>
-                <a:lnTo>
-                  <a:pt x="1154" y="85124"/>
-                </a:lnTo>
-                <a:lnTo>
-                  <a:pt x="1697" y="85599"/>
-                </a:lnTo>
-                <a:lnTo>
-                  <a:pt x="2376" y="85938"/>
-                </a:lnTo>
-                <a:lnTo>
-                  <a:pt x="3055" y="86142"/>
-                </a:lnTo>
-                <a:lnTo>
-                  <a:pt x="3869" y="86210"/>
-                </a:lnTo>
-                <a:lnTo>
-                  <a:pt x="57156" y="86210"/>
-                </a:lnTo>
-                <a:lnTo>
-                  <a:pt x="57903" y="86142"/>
-                </a:lnTo>
-                <a:lnTo>
-                  <a:pt x="58582" y="85938"/>
-                </a:lnTo>
-                <a:lnTo>
-                  <a:pt x="59260" y="85599"/>
-                </a:lnTo>
-                <a:lnTo>
-                  <a:pt x="59804" y="85124"/>
-                </a:lnTo>
-                <a:lnTo>
-                  <a:pt x="60347" y="84581"/>
-                </a:lnTo>
-                <a:lnTo>
-                  <a:pt x="60686" y="83970"/>
-                </a:lnTo>
-                <a:lnTo>
-                  <a:pt x="60890" y="83223"/>
-                </a:lnTo>
-                <a:lnTo>
-                  <a:pt x="60957" y="82477"/>
-                </a:lnTo>
-                <a:lnTo>
-                  <a:pt x="60957" y="3530"/>
-                </a:lnTo>
-                <a:lnTo>
-                  <a:pt x="60890" y="2852"/>
-                </a:lnTo>
-                <a:lnTo>
-                  <a:pt x="60686" y="2173"/>
-                </a:lnTo>
-                <a:lnTo>
-                  <a:pt x="60347" y="1562"/>
-                </a:lnTo>
-                <a:lnTo>
-                  <a:pt x="59939" y="1019"/>
-                </a:lnTo>
-                <a:lnTo>
-                  <a:pt x="59396" y="544"/>
-                </a:lnTo>
-                <a:lnTo>
-                  <a:pt x="58785" y="204"/>
-                </a:lnTo>
-                <a:lnTo>
-                  <a:pt x="58106" y="68"/>
-                </a:lnTo>
-                <a:lnTo>
-                  <a:pt x="57360" y="1"/>
-                </a:lnTo>
-                <a:close/>
-              </a:path>
-            </a:pathLst>
-          </a:custGeom>
-          <a:noFill/>
-          <a:ln w="9525" cap="flat" cmpd="sng">
-            <a:solidFill>
-              <a:srgbClr val="FF0066"/>
-            </a:solidFill>
-            <a:prstDash val="solid"/>
-            <a:round/>
-            <a:headEnd type="none" w="sm" len="sm"/>
-            <a:tailEnd type="none" w="sm" len="sm"/>
-          </a:ln>
-        </p:spPr>
-        <p:txBody>
-          <a:bodyPr spcFirstLastPara="1" wrap="square" lIns="91425" tIns="91425" rIns="91425" bIns="91425" anchor="ctr" anchorCtr="0">
-            <a:noAutofit/>
-          </a:bodyPr>
-          <a:lstStyle/>
-          <a:p>
-            <a:pPr marL="0" lvl="0" indent="0">
-              <a:spcBef>
-                <a:spcPts val="0"/>
-              </a:spcBef>
-              <a:spcAft>
-                <a:spcPts val="0"/>
-              </a:spcAft>
-              <a:buNone/>
-            </a:pPr>
-            <a:endParaRPr/>
-          </a:p>
-        </p:txBody>
-      </p:sp>
-      <p:sp>
-        <p:nvSpPr>
-          <p:cNvPr id="388" name="Google Shape;388;p36"/>
-          <p:cNvSpPr/>
-          <p:nvPr/>
-        </p:nvSpPr>
-        <p:spPr>
-          <a:xfrm>
-            <a:off x="4986400" y="910325"/>
-            <a:ext cx="2493300" cy="3333600"/>
-          </a:xfrm>
-          <a:prstGeom prst="rect">
-            <a:avLst/>
-          </a:prstGeom>
-          <a:solidFill>
-            <a:srgbClr val="FFFFFF">
-              <a:alpha val="14229"/>
-            </a:srgbClr>
-          </a:solidFill>
-          <a:ln>
-            <a:noFill/>
-          </a:ln>
-        </p:spPr>
-        <p:txBody>
-          <a:bodyPr spcFirstLastPara="1" wrap="square" lIns="91425" tIns="91425" rIns="91425" bIns="91425" anchor="ctr" anchorCtr="0">
-            <a:noAutofit/>
-          </a:bodyPr>
-          <a:lstStyle/>
-          <a:p>
-            <a:pPr marL="0" lvl="0" indent="0" algn="ctr" rtl="0">
-              <a:spcBef>
-                <a:spcPts val="0"/>
-              </a:spcBef>
-              <a:spcAft>
-                <a:spcPts val="0"/>
-              </a:spcAft>
-              <a:buNone/>
-            </a:pPr>
-            <a:r>
-              <a:rPr lang="en" sz="1000" dirty="0">
-                <a:solidFill>
-                  <a:srgbClr val="FFFFFF"/>
-                </a:solidFill>
-                <a:latin typeface="Hind"/>
-                <a:ea typeface="Hind"/>
-                <a:cs typeface="Hind"/>
-                <a:sym typeface="Hind"/>
-              </a:rPr>
-              <a:t>Place </a:t>
-            </a:r>
-            <a:r>
-              <a:rPr lang="en" sz="1000" dirty="0" smtClean="0">
-                <a:solidFill>
-                  <a:srgbClr val="FFFFFF"/>
-                </a:solidFill>
-                <a:latin typeface="Hind"/>
-                <a:ea typeface="Hind"/>
-                <a:cs typeface="Hind"/>
-                <a:sym typeface="Hind"/>
-              </a:rPr>
-              <a:t>Repository LAYER SCREEN</a:t>
-            </a:r>
-            <a:endParaRPr sz="1000" dirty="0">
-              <a:solidFill>
-                <a:srgbClr val="FFFFFF"/>
-              </a:solidFill>
-              <a:latin typeface="Hind"/>
-              <a:ea typeface="Hind"/>
-              <a:cs typeface="Hind"/>
-              <a:sym typeface="Hind"/>
-            </a:endParaRPr>
-          </a:p>
-        </p:txBody>
-      </p:sp>
-      <p:sp>
-        <p:nvSpPr>
-          <p:cNvPr id="389" name="Google Shape;389;p36"/>
-          <p:cNvSpPr txBox="1">
-            <a:spLocks noGrp="1"/>
-          </p:cNvSpPr>
-          <p:nvPr>
-            <p:ph type="body" idx="4294967295"/>
-          </p:nvPr>
-        </p:nvSpPr>
-        <p:spPr>
-          <a:xfrm>
-            <a:off x="1319150" y="1545264"/>
-            <a:ext cx="3240000" cy="2481985"/>
-          </a:xfrm>
-          <a:prstGeom prst="rect">
-            <a:avLst/>
-          </a:prstGeom>
-        </p:spPr>
-        <p:txBody>
-          <a:bodyPr spcFirstLastPara="1" wrap="square" lIns="91425" tIns="91425" rIns="91425" bIns="91425" anchor="b" anchorCtr="0">
-            <a:noAutofit/>
-          </a:bodyPr>
-          <a:lstStyle/>
-          <a:p>
-            <a:pPr marL="0" lvl="0" indent="0">
-              <a:buNone/>
-            </a:pPr>
-            <a:r>
-              <a:rPr lang="en" sz="1800" b="1" dirty="0" smtClean="0">
-                <a:solidFill>
-                  <a:srgbClr val="FF0066"/>
-                </a:solidFill>
-              </a:rPr>
-              <a:t>SERVICE</a:t>
-            </a:r>
-            <a:r>
-              <a:rPr lang="en" sz="1800" b="1" dirty="0" smtClean="0"/>
-              <a:t> </a:t>
-            </a:r>
-            <a:r>
-              <a:rPr lang="en" sz="1800" b="1" dirty="0"/>
-              <a:t>LAYEAR</a:t>
-            </a:r>
-            <a:endParaRPr sz="1800" b="1" dirty="0" smtClean="0"/>
-          </a:p>
-          <a:p>
-            <a:pPr marL="0" lvl="0" indent="0">
-              <a:buNone/>
-            </a:pPr>
-            <a:r>
-              <a:rPr lang="en-US" sz="1800" dirty="0"/>
-              <a:t>The layer holds interfaces which are used to communicate between the UI layer and </a:t>
+              <a:t>It is the center part of the architecture. It holds all application domain </a:t>
             </a:r>
             <a:r>
               <a:rPr lang="en-US" sz="1800" dirty="0" smtClean="0"/>
-              <a:t>domain </a:t>
-            </a:r>
-            <a:r>
-              <a:rPr lang="en-US" sz="1800" dirty="0"/>
-              <a:t>layer. It holds business logic for an entity so it’s called business logic layer as well</a:t>
+              <a:t>entities, Aggregates, </a:t>
+            </a:r>
+            <a:r>
+              <a:rPr lang="en-US" sz="1800" dirty="0" err="1" smtClean="0"/>
+              <a:t>ValueObjects</a:t>
             </a:r>
             <a:r>
               <a:rPr lang="en-US" sz="1800" dirty="0" smtClean="0"/>
-              <a:t>.</a:t>
+              <a:t>, Handlers, Sagas. It contains business logic of the application. </a:t>
             </a:r>
             <a:endParaRPr lang="en-US" sz="1800" dirty="0"/>
           </a:p>
@@ -12677,182 +11657,6 @@
             </a:pPr>
             <a:fld id="{00000000-1234-1234-1234-123412341234}" type="slidenum">
               <a:rPr lang="en"/>
-              <a:t>8</a:t>
-            </a:fld>
-            <a:endParaRPr/>
-          </a:p>
-        </p:txBody>
-      </p:sp>
-      <p:pic>
-        <p:nvPicPr>
-          <p:cNvPr id="2" name="Picture 1"/>
-          <p:cNvPicPr>
-            <a:picLocks noChangeAspect="1"/>
-          </p:cNvPicPr>
-          <p:nvPr/>
-        </p:nvPicPr>
-        <p:blipFill>
-          <a:blip r:embed="rId3">
-            <a:extLst>
-              <a:ext uri="{28A0092B-C50C-407E-A947-70E740481C1C}">
-                <a14:useLocalDpi xmlns:a14="http://schemas.microsoft.com/office/drawing/2010/main" val="0"/>
-              </a:ext>
-            </a:extLst>
-          </a:blip>
-          <a:stretch>
-            <a:fillRect/>
-          </a:stretch>
-        </p:blipFill>
-        <p:spPr>
-          <a:xfrm>
-            <a:off x="4787702" y="535612"/>
-            <a:ext cx="2879504" cy="4072345"/>
-          </a:xfrm>
-          <a:prstGeom prst="rect">
-            <a:avLst/>
-          </a:prstGeom>
-        </p:spPr>
-      </p:pic>
-    </p:spTree>
-    <p:extLst>
-      <p:ext uri="{BB962C8B-B14F-4D97-AF65-F5344CB8AC3E}">
-        <p14:creationId xmlns:p14="http://schemas.microsoft.com/office/powerpoint/2010/main" val="1104037572"/>
-      </p:ext>
-    </p:extLst>
-  </p:cSld>
-  <p:clrMapOvr>
-    <a:masterClrMapping/>
-  </p:clrMapOvr>
-</p:sld>
-</file>
-
-<file path=ppt/slides/slide9.xml><?xml version="1.0" encoding="utf-8"?>
-<p:sld xmlns:a="http://schemas.openxmlformats.org/drawingml/2006/main" xmlns:r="http://schemas.openxmlformats.org/officeDocument/2006/relationships" xmlns:p="http://schemas.openxmlformats.org/presentationml/2006/main">
-  <p:cSld>
-    <p:spTree>
-      <p:nvGrpSpPr>
-        <p:cNvPr id="1" name="Shape 386"/>
-        <p:cNvGrpSpPr/>
-        <p:nvPr/>
-      </p:nvGrpSpPr>
-      <p:grpSpPr>
-        <a:xfrm>
-          <a:off x="0" y="0"/>
-          <a:ext cx="0" cy="0"/>
-          <a:chOff x="0" y="0"/>
-          <a:chExt cx="0" cy="0"/>
-        </a:xfrm>
-      </p:grpSpPr>
-      <p:sp>
-        <p:nvSpPr>
-          <p:cNvPr id="389" name="Google Shape;389;p36"/>
-          <p:cNvSpPr txBox="1">
-            <a:spLocks noGrp="1"/>
-          </p:cNvSpPr>
-          <p:nvPr>
-            <p:ph type="body" idx="4294967295"/>
-          </p:nvPr>
-        </p:nvSpPr>
-        <p:spPr>
-          <a:xfrm>
-            <a:off x="1319150" y="1545264"/>
-            <a:ext cx="3240000" cy="2481985"/>
-          </a:xfrm>
-          <a:prstGeom prst="rect">
-            <a:avLst/>
-          </a:prstGeom>
-        </p:spPr>
-        <p:txBody>
-          <a:bodyPr spcFirstLastPara="1" wrap="square" lIns="91425" tIns="91425" rIns="91425" bIns="91425" anchor="b" anchorCtr="0">
-            <a:noAutofit/>
-          </a:bodyPr>
-          <a:lstStyle/>
-          <a:p>
-            <a:pPr marL="0" lvl="0" indent="0">
-              <a:buNone/>
-            </a:pPr>
-            <a:r>
-              <a:rPr lang="en" sz="1800" b="1" dirty="0" smtClean="0">
-                <a:solidFill>
-                  <a:srgbClr val="33CCCC"/>
-                </a:solidFill>
-              </a:rPr>
-              <a:t>INFRASTRUCTURE</a:t>
-            </a:r>
-            <a:r>
-              <a:rPr lang="en" sz="1800" b="1" dirty="0" smtClean="0"/>
-              <a:t> </a:t>
-            </a:r>
-            <a:r>
-              <a:rPr lang="en" sz="1800" b="1" dirty="0"/>
-              <a:t>LAYEAR</a:t>
-            </a:r>
-            <a:endParaRPr sz="1800" b="1" dirty="0" smtClean="0"/>
-          </a:p>
-          <a:p>
-            <a:pPr marL="0" lvl="0" indent="0">
-              <a:buNone/>
-            </a:pPr>
-            <a:r>
-              <a:rPr lang="en-US" sz="1800" dirty="0" smtClean="0"/>
-              <a:t>It </a:t>
-            </a:r>
-            <a:r>
-              <a:rPr lang="en-US" sz="1800" dirty="0"/>
-              <a:t>implements </a:t>
-            </a:r>
-            <a:r>
-              <a:rPr lang="en-US" sz="1800" dirty="0" smtClean="0"/>
-              <a:t>not business logic requirements. It can contains Data access realization (PostgreSQL, </a:t>
-            </a:r>
-            <a:r>
-              <a:rPr lang="en-US" sz="1800" dirty="0" err="1" smtClean="0"/>
-              <a:t>Json</a:t>
-            </a:r>
-            <a:r>
-              <a:rPr lang="en-US" sz="1800" dirty="0" smtClean="0"/>
-              <a:t>). Remote client request handlers. </a:t>
-            </a:r>
-            <a:endParaRPr lang="en-US" sz="1800" dirty="0"/>
-          </a:p>
-        </p:txBody>
-      </p:sp>
-      <p:sp>
-        <p:nvSpPr>
-          <p:cNvPr id="390" name="Google Shape;390;p36"/>
-          <p:cNvSpPr txBox="1">
-            <a:spLocks noGrp="1"/>
-          </p:cNvSpPr>
-          <p:nvPr>
-            <p:ph type="sldNum" idx="12"/>
-          </p:nvPr>
-        </p:nvSpPr>
-        <p:spPr>
-          <a:xfrm>
-            <a:off x="8556775" y="4812625"/>
-            <a:ext cx="587100" cy="330900"/>
-          </a:xfrm>
-          <a:prstGeom prst="rect">
-            <a:avLst/>
-          </a:prstGeom>
-        </p:spPr>
-        <p:txBody>
-          <a:bodyPr spcFirstLastPara="1" wrap="square" lIns="91425" tIns="91425" rIns="91425" bIns="91425" anchor="t" anchorCtr="0">
-            <a:noAutofit/>
-          </a:bodyPr>
-          <a:lstStyle/>
-          <a:p>
-            <a:pPr marL="0" lvl="0" indent="0">
-              <a:spcBef>
-                <a:spcPts val="0"/>
-              </a:spcBef>
-              <a:spcAft>
-                <a:spcPts val="0"/>
-              </a:spcAft>
-              <a:buNone/>
-            </a:pPr>
-            <a:fld id="{00000000-1234-1234-1234-123412341234}" type="slidenum">
-              <a:rPr lang="en"/>
               <a:t>9</a:t>
             </a:fld>
             <a:endParaRPr/>
@@ -12868,21 +11672,15 @@
           <p:nvPr/>
         </p:nvPicPr>
         <p:blipFill>
-          <a:blip r:embed="rId3">
-            <a:extLst>
-              <a:ext uri="{28A0092B-C50C-407E-A947-70E740481C1C}">
-                <a14:useLocalDpi xmlns:a14="http://schemas.microsoft.com/office/drawing/2010/main" val="0"/>
-              </a:ext>
-            </a:extLst>
-          </a:blip>
+          <a:blip r:embed="rId3"/>
           <a:stretch>
             <a:fillRect/>
           </a:stretch>
         </p:blipFill>
         <p:spPr>
           <a:xfrm>
-            <a:off x="4873005" y="535612"/>
-            <a:ext cx="2144179" cy="4072345"/>
+            <a:off x="4693706" y="535613"/>
+            <a:ext cx="2980273" cy="4307849"/>
           </a:xfrm>
           <a:prstGeom prst="rect">
             <a:avLst/>
@@ -12892,7 +11690,7 @@
     </p:spTree>
     <p:extLst>
       <p:ext uri="{BB962C8B-B14F-4D97-AF65-F5344CB8AC3E}">
-        <p14:creationId xmlns:p14="http://schemas.microsoft.com/office/powerpoint/2010/main" val="427101985"/>
+        <p14:creationId xmlns:p14="http://schemas.microsoft.com/office/powerpoint/2010/main" val="1000564589"/>
       </p:ext>
     </p:extLst>
   </p:cSld>
